--- a/fall11/slidesF11/slides6w.pptx
+++ b/fall11/slidesF11/slides6w.pptx
@@ -25,12 +25,12 @@
     <p:sldId id="369" r:id="rId13"/>
     <p:sldId id="373" r:id="rId14"/>
     <p:sldId id="414" r:id="rId15"/>
-    <p:sldId id="424" r:id="rId16"/>
-    <p:sldId id="416" r:id="rId17"/>
-    <p:sldId id="374" r:id="rId18"/>
-    <p:sldId id="405" r:id="rId19"/>
-    <p:sldId id="407" r:id="rId20"/>
-    <p:sldId id="410" r:id="rId21"/>
+    <p:sldId id="410" r:id="rId16"/>
+    <p:sldId id="424" r:id="rId17"/>
+    <p:sldId id="416" r:id="rId18"/>
+    <p:sldId id="374" r:id="rId19"/>
+    <p:sldId id="405" r:id="rId20"/>
+    <p:sldId id="407" r:id="rId21"/>
     <p:sldId id="418" r:id="rId22"/>
     <p:sldId id="426" r:id="rId23"/>
     <p:sldId id="428" r:id="rId24"/>
@@ -1402,64 +1402,63 @@
       </p:grpSpPr>
       <p:sp>
         <p:nvSpPr>
-          <p:cNvPr id="26626" name="Rectangle 7"/>
+          <p:cNvPr id="2" name="Slide Image Placeholder 1"/>
           <p:cNvSpPr>
-            <a:spLocks noGrp="1" noChangeArrowheads="1"/>
-          </p:cNvSpPr>
-          <p:nvPr>
-            <p:ph type="sldNum" sz="quarter" idx="5"/>
-          </p:nvPr>
-        </p:nvSpPr>
-        <p:spPr>
-          <a:noFill/>
-        </p:spPr>
-        <p:txBody>
-          <a:bodyPr/>
-          <a:lstStyle/>
-          <a:p>
-            <a:fld id="{458E67A7-F380-4CE0-88FA-2CB84BEBFA2A}" type="slidenum">
-              <a:rPr lang="en-US" smtClean="0"/>
-              <a:pPr/>
-              <a:t>15</a:t>
-            </a:fld>
-            <a:endParaRPr lang="en-US" smtClean="0"/>
-          </a:p>
-        </p:txBody>
-      </p:sp>
-      <p:sp>
-        <p:nvSpPr>
-          <p:cNvPr id="26627" name="Rectangle 2"/>
-          <p:cNvSpPr>
-            <a:spLocks noGrp="1" noRot="1" noChangeAspect="1" noChangeArrowheads="1" noTextEdit="1"/>
+            <a:spLocks noGrp="1" noRot="1" noChangeAspect="1"/>
           </p:cNvSpPr>
           <p:nvPr>
             <p:ph type="sldImg"/>
           </p:nvPr>
         </p:nvSpPr>
-        <p:spPr>
-          <a:ln/>
-        </p:spPr>
+        <p:spPr/>
       </p:sp>
       <p:sp>
         <p:nvSpPr>
-          <p:cNvPr id="26628" name="Rectangle 3"/>
+          <p:cNvPr id="3" name="Notes Placeholder 2"/>
           <p:cNvSpPr>
-            <a:spLocks noGrp="1" noChangeArrowheads="1"/>
+            <a:spLocks noGrp="1"/>
           </p:cNvSpPr>
           <p:nvPr>
             <p:ph type="body" idx="1"/>
           </p:nvPr>
         </p:nvSpPr>
-        <p:spPr>
-          <a:noFill/>
-          <a:ln/>
-        </p:spPr>
+        <p:spPr/>
+        <p:txBody>
+          <a:bodyPr>
+            <a:normAutofit/>
+          </a:bodyPr>
+          <a:lstStyle/>
+          <a:p>
+            <a:endParaRPr lang="en-US"/>
+          </a:p>
+        </p:txBody>
+      </p:sp>
+      <p:sp>
+        <p:nvSpPr>
+          <p:cNvPr id="4" name="Slide Number Placeholder 3"/>
+          <p:cNvSpPr>
+            <a:spLocks noGrp="1"/>
+          </p:cNvSpPr>
+          <p:nvPr>
+            <p:ph type="sldNum" sz="quarter" idx="10"/>
+          </p:nvPr>
+        </p:nvSpPr>
+        <p:spPr/>
         <p:txBody>
           <a:bodyPr/>
           <a:lstStyle/>
           <a:p>
-            <a:pPr eaLnBrk="1" hangingPunct="1"/>
-            <a:endParaRPr lang="en-US" smtClean="0"/>
+            <a:pPr>
+              <a:defRPr/>
+            </a:pPr>
+            <a:fld id="{4B22597B-958D-4520-8A0D-91DE84F8B13A}" type="slidenum">
+              <a:rPr lang="en-US" smtClean="0"/>
+              <a:pPr>
+                <a:defRPr/>
+              </a:pPr>
+              <a:t>15</a:t>
+            </a:fld>
+            <a:endParaRPr lang="en-US"/>
           </a:p>
         </p:txBody>
       </p:sp>
@@ -1578,63 +1577,64 @@
       </p:grpSpPr>
       <p:sp>
         <p:nvSpPr>
-          <p:cNvPr id="2" name="Slide Image Placeholder 1"/>
+          <p:cNvPr id="26626" name="Rectangle 7"/>
           <p:cNvSpPr>
-            <a:spLocks noGrp="1" noRot="1" noChangeAspect="1"/>
+            <a:spLocks noGrp="1" noChangeArrowheads="1"/>
+          </p:cNvSpPr>
+          <p:nvPr>
+            <p:ph type="sldNum" sz="quarter" idx="5"/>
+          </p:nvPr>
+        </p:nvSpPr>
+        <p:spPr>
+          <a:noFill/>
+        </p:spPr>
+        <p:txBody>
+          <a:bodyPr/>
+          <a:lstStyle/>
+          <a:p>
+            <a:fld id="{458E67A7-F380-4CE0-88FA-2CB84BEBFA2A}" type="slidenum">
+              <a:rPr lang="en-US" smtClean="0"/>
+              <a:pPr/>
+              <a:t>17</a:t>
+            </a:fld>
+            <a:endParaRPr lang="en-US" smtClean="0"/>
+          </a:p>
+        </p:txBody>
+      </p:sp>
+      <p:sp>
+        <p:nvSpPr>
+          <p:cNvPr id="26627" name="Rectangle 2"/>
+          <p:cNvSpPr>
+            <a:spLocks noGrp="1" noRot="1" noChangeAspect="1" noChangeArrowheads="1" noTextEdit="1"/>
           </p:cNvSpPr>
           <p:nvPr>
             <p:ph type="sldImg"/>
           </p:nvPr>
         </p:nvSpPr>
-        <p:spPr/>
+        <p:spPr>
+          <a:ln/>
+        </p:spPr>
       </p:sp>
       <p:sp>
         <p:nvSpPr>
-          <p:cNvPr id="3" name="Notes Placeholder 2"/>
+          <p:cNvPr id="26628" name="Rectangle 3"/>
           <p:cNvSpPr>
-            <a:spLocks noGrp="1"/>
+            <a:spLocks noGrp="1" noChangeArrowheads="1"/>
           </p:cNvSpPr>
           <p:nvPr>
             <p:ph type="body" idx="1"/>
           </p:nvPr>
         </p:nvSpPr>
-        <p:spPr/>
-        <p:txBody>
-          <a:bodyPr>
-            <a:normAutofit/>
-          </a:bodyPr>
-          <a:lstStyle/>
-          <a:p>
-            <a:endParaRPr lang="en-US"/>
-          </a:p>
-        </p:txBody>
-      </p:sp>
-      <p:sp>
-        <p:nvSpPr>
-          <p:cNvPr id="4" name="Slide Number Placeholder 3"/>
-          <p:cNvSpPr>
-            <a:spLocks noGrp="1"/>
-          </p:cNvSpPr>
-          <p:nvPr>
-            <p:ph type="sldNum" sz="quarter" idx="10"/>
-          </p:nvPr>
-        </p:nvSpPr>
-        <p:spPr/>
+        <p:spPr>
+          <a:noFill/>
+          <a:ln/>
+        </p:spPr>
         <p:txBody>
           <a:bodyPr/>
           <a:lstStyle/>
           <a:p>
-            <a:pPr>
-              <a:defRPr/>
-            </a:pPr>
-            <a:fld id="{4B22597B-958D-4520-8A0D-91DE84F8B13A}" type="slidenum">
-              <a:rPr lang="en-US" smtClean="0"/>
-              <a:pPr>
-                <a:defRPr/>
-              </a:pPr>
-              <a:t>17</a:t>
-            </a:fld>
-            <a:endParaRPr lang="en-US"/>
+            <a:pPr eaLnBrk="1" hangingPunct="1"/>
+            <a:endParaRPr lang="en-US" smtClean="0"/>
           </a:p>
         </p:txBody>
       </p:sp>
@@ -1779,7 +1779,7 @@
           </a:bodyPr>
           <a:lstStyle/>
           <a:p>
-            <a:endParaRPr lang="en-US" dirty="0"/>
+            <a:endParaRPr lang="en-US"/>
           </a:p>
         </p:txBody>
       </p:sp>
@@ -1954,7 +1954,7 @@
           </a:bodyPr>
           <a:lstStyle/>
           <a:p>
-            <a:endParaRPr lang="en-US"/>
+            <a:endParaRPr lang="en-US" dirty="0"/>
           </a:p>
         </p:txBody>
       </p:sp>
@@ -4059,7 +4059,15 @@
             </a:r>
             <a:r>
               <a:rPr lang="en-US" sz="1200" dirty="0" smtClean="0"/>
-              <a:t> 5F.‹#›</a:t>
+              <a:t> </a:t>
+            </a:r>
+            <a:r>
+              <a:rPr lang="en-US" sz="1200" dirty="0" smtClean="0"/>
+              <a:t>6W.‹</a:t>
+            </a:r>
+            <a:r>
+              <a:rPr lang="en-US" sz="1200" dirty="0" smtClean="0"/>
+              <a:t>#›</a:t>
             </a:r>
             <a:endParaRPr lang="en-US" sz="1200" dirty="0"/>
           </a:p>
@@ -4230,7 +4238,15 @@
             </a:r>
             <a:r>
               <a:rPr lang="en-US" sz="1200" dirty="0" smtClean="0"/>
-              <a:t> 5F.‹#›</a:t>
+              <a:t> </a:t>
+            </a:r>
+            <a:r>
+              <a:rPr lang="en-US" sz="1200" dirty="0" smtClean="0"/>
+              <a:t>6W.‹</a:t>
+            </a:r>
+            <a:r>
+              <a:rPr lang="en-US" sz="1200" dirty="0" smtClean="0"/>
+              <a:t>#›</a:t>
             </a:r>
             <a:endParaRPr lang="en-US" sz="1200" dirty="0"/>
           </a:p>
@@ -4419,7 +4435,15 @@
             </a:r>
             <a:r>
               <a:rPr lang="en-US" sz="1200" dirty="0" smtClean="0"/>
-              <a:t> 5F.‹#›</a:t>
+              <a:t> </a:t>
+            </a:r>
+            <a:r>
+              <a:rPr lang="en-US" sz="1200" dirty="0" smtClean="0"/>
+              <a:t>6W.‹</a:t>
+            </a:r>
+            <a:r>
+              <a:rPr lang="en-US" sz="1200" dirty="0" smtClean="0"/>
+              <a:t>#›</a:t>
             </a:r>
             <a:endParaRPr lang="en-US" sz="1200" dirty="0"/>
           </a:p>
@@ -4514,7 +4538,11 @@
             </a:r>
             <a:r>
               <a:rPr lang="en-US" dirty="0" smtClean="0"/>
-              <a:t> 5F.</a:t>
+              <a:t> </a:t>
+            </a:r>
+            <a:r>
+              <a:rPr lang="en-US" dirty="0" smtClean="0"/>
+              <a:t>6W.</a:t>
             </a:r>
             <a:fld id="{092F4601-307B-4C24-B8E1-0927D73A950D}" type="slidenum">
               <a:rPr lang="en-US" smtClean="0"/>
@@ -4589,7 +4617,11 @@
             </a:r>
             <a:r>
               <a:rPr lang="en-US" dirty="0" smtClean="0"/>
-              <a:t> 5F.</a:t>
+              <a:t> </a:t>
+            </a:r>
+            <a:r>
+              <a:rPr lang="en-US" dirty="0" smtClean="0"/>
+              <a:t>6W.</a:t>
             </a:r>
             <a:fld id="{662DA84E-2EE0-4520-81DD-FF87E285B2C7}" type="slidenum">
               <a:rPr lang="en-US" smtClean="0"/>
@@ -4810,7 +4842,11 @@
             </a:r>
             <a:r>
               <a:rPr lang="en-US" dirty="0" smtClean="0"/>
-              <a:t> 5F.</a:t>
+              <a:t> </a:t>
+            </a:r>
+            <a:r>
+              <a:rPr lang="en-US" dirty="0" smtClean="0"/>
+              <a:t>6W.</a:t>
             </a:r>
             <a:fld id="{7C4E6977-E764-49C2-9B46-F1F7E8372AF3}" type="slidenum">
               <a:rPr lang="en-US" smtClean="0"/>
@@ -5061,7 +5097,15 @@
             </a:r>
             <a:r>
               <a:rPr lang="en-US" sz="1200" dirty="0" smtClean="0"/>
-              <a:t> 5F.‹#›</a:t>
+              <a:t> </a:t>
+            </a:r>
+            <a:r>
+              <a:rPr lang="en-US" sz="1200" dirty="0" smtClean="0"/>
+              <a:t>6W.</a:t>
+            </a:r>
+            <a:r>
+              <a:rPr lang="en-US" sz="1200" dirty="0" smtClean="0"/>
+              <a:t>‹#›</a:t>
             </a:r>
             <a:endParaRPr lang="en-US" sz="1200" dirty="0"/>
           </a:p>
@@ -5077,8 +5121,8 @@
         </p:nvSpPr>
         <p:spPr>
           <a:xfrm>
-            <a:off x="3162194" y="6553200"/>
-            <a:ext cx="2857606" cy="304800"/>
+            <a:off x="3048000" y="6553200"/>
+            <a:ext cx="3010006" cy="304800"/>
           </a:xfrm>
           <a:prstGeom prst="rect">
             <a:avLst/>
@@ -5118,7 +5162,37 @@
                 <a:uFillTx/>
                 <a:latin typeface="Comic Sans MS" pitchFamily="66" charset="0"/>
               </a:rPr>
-              <a:t>Albert R Meyer         March 4, 2011</a:t>
+              <a:t>Albert R Meyer         </a:t>
+            </a:r>
+            <a:r>
+              <a:rPr kumimoji="0" lang="en-US" sz="1200" b="0" i="0" u="none" strike="noStrike" kern="1200" cap="none" spc="0" normalizeH="0" baseline="0" noProof="0" dirty="0" smtClean="0">
+                <a:ln>
+                  <a:noFill/>
+                </a:ln>
+                <a:solidFill>
+                  <a:schemeClr val="tx1"/>
+                </a:solidFill>
+                <a:effectLst/>
+                <a:uLnTx/>
+                <a:uFillTx/>
+                <a:latin typeface="Comic Sans MS" pitchFamily="66" charset="0"/>
+              </a:rPr>
+              <a:t>October 12, </a:t>
+            </a:r>
+            <a:r>
+              <a:rPr kumimoji="0" lang="en-US" sz="1200" b="0" i="0" u="none" strike="noStrike" kern="1200" cap="none" spc="0" normalizeH="0" baseline="0" noProof="0" dirty="0" smtClean="0">
+                <a:ln>
+                  <a:noFill/>
+                </a:ln>
+                <a:solidFill>
+                  <a:schemeClr val="tx1"/>
+                </a:solidFill>
+                <a:effectLst/>
+                <a:uLnTx/>
+                <a:uFillTx/>
+                <a:latin typeface="Comic Sans MS" pitchFamily="66" charset="0"/>
+              </a:rPr>
+              <a:t>2011</a:t>
             </a:r>
             <a:endParaRPr kumimoji="0" lang="en-US" sz="1200" b="0" i="0" u="none" strike="noStrike" kern="1200" cap="none" spc="0" normalizeH="0" baseline="0" noProof="0" dirty="0">
               <a:ln>
@@ -5593,7 +5667,11 @@
             </a:r>
             <a:r>
               <a:rPr lang="en-US" dirty="0" smtClean="0"/>
-              <a:t> 5F.</a:t>
+              <a:t> </a:t>
+            </a:r>
+            <a:r>
+              <a:rPr lang="en-US" dirty="0" smtClean="0"/>
+              <a:t>6W.</a:t>
             </a:r>
             <a:fld id="{F969F519-7538-4B74-8C91-7BCC0BE33C8C}" type="slidenum">
               <a:rPr lang="en-US" smtClean="0"/>
@@ -5774,7 +5852,11 @@
             </a:r>
             <a:r>
               <a:rPr lang="en-US" dirty="0" smtClean="0"/>
-              <a:t> 5F.</a:t>
+              <a:t> </a:t>
+            </a:r>
+            <a:r>
+              <a:rPr lang="en-US" dirty="0" smtClean="0"/>
+              <a:t>6W.</a:t>
             </a:r>
             <a:fld id="{AD1D0FF0-6D93-442D-82F5-8BA6A710FDEB}" type="slidenum">
               <a:rPr lang="en-US" smtClean="0"/>
@@ -6540,7 +6622,11 @@
             </a:r>
             <a:r>
               <a:rPr lang="en-US" dirty="0" smtClean="0"/>
-              <a:t> 5F.</a:t>
+              <a:t> </a:t>
+            </a:r>
+            <a:r>
+              <a:rPr lang="en-US" dirty="0" smtClean="0"/>
+              <a:t>6W.</a:t>
             </a:r>
             <a:fld id="{A808FFD1-D581-4BF4-B068-1D0FA2A32EF2}" type="slidenum">
               <a:rPr lang="en-US" smtClean="0"/>
@@ -6997,7 +7083,11 @@
             </a:r>
             <a:r>
               <a:rPr lang="en-US" dirty="0" smtClean="0"/>
-              <a:t> 5F.</a:t>
+              <a:t> </a:t>
+            </a:r>
+            <a:r>
+              <a:rPr lang="en-US" dirty="0" smtClean="0"/>
+              <a:t>6W.</a:t>
             </a:r>
             <a:fld id="{3023AA39-47D8-49DF-8766-B653A1B18F41}" type="slidenum">
               <a:rPr lang="en-US" smtClean="0"/>
@@ -7049,8 +7139,8 @@
         </p:nvSpPr>
         <p:spPr>
           <a:xfrm>
-            <a:off x="304800" y="1447800"/>
-            <a:ext cx="8534400" cy="4038600"/>
+            <a:off x="228600" y="1066800"/>
+            <a:ext cx="8686800" cy="4724400"/>
           </a:xfrm>
         </p:spPr>
         <p:txBody>
@@ -7135,8 +7225,56 @@
                   <a:srgbClr val="3333CC"/>
                 </a:solidFill>
               </a:rPr>
-              <a:t> p</a:t>
-            </a:r>
+              <a:t> </a:t>
+            </a:r>
+            <a:r>
+              <a:rPr lang="en-US" sz="6600" dirty="0" smtClean="0">
+                <a:solidFill>
+                  <a:srgbClr val="3333CC"/>
+                </a:solidFill>
+              </a:rPr>
+              <a:t>p</a:t>
+            </a:r>
+          </a:p>
+          <a:p>
+            <a:pPr eaLnBrk="1" hangingPunct="1">
+              <a:defRPr/>
+            </a:pPr>
+            <a:r>
+              <a:rPr lang="en-US" sz="6600" dirty="0" smtClean="0">
+                <a:solidFill>
+                  <a:srgbClr val="3333CC"/>
+                </a:solidFill>
+              </a:rPr>
+              <a:t>k </a:t>
+            </a:r>
+            <a:r>
+              <a:rPr lang="en-US" sz="6600" b="1" dirty="0" smtClean="0">
+                <a:solidFill>
+                  <a:prstClr val="black"/>
+                </a:solidFill>
+                <a:latin typeface="Euclid Symbol" charset="2"/>
+                <a:cs typeface="Euclid Symbol" charset="2"/>
+              </a:rPr>
+              <a:t>∊ </a:t>
+            </a:r>
+            <a:r>
+              <a:rPr lang="en-US" sz="6600" dirty="0" smtClean="0">
+                <a:solidFill>
+                  <a:srgbClr val="0000CC"/>
+                </a:solidFill>
+                <a:latin typeface="Comic Sans MS"/>
+                <a:cs typeface="Comic Sans MS"/>
+              </a:rPr>
+              <a:t>[1,p)</a:t>
+            </a:r>
+            <a:endParaRPr lang="en-US" sz="6600" dirty="0" smtClean="0">
+              <a:solidFill>
+                <a:srgbClr val="0000CC"/>
+              </a:solidFill>
+              <a:latin typeface="Comic Sans MS"/>
+              <a:cs typeface="Comic Sans MS"/>
+            </a:endParaRPr>
           </a:p>
         </p:txBody>
       </p:sp>
@@ -7169,7 +7307,7 @@
                             </p:stCondLst>
                             <p:childTnLst>
                               <p:par>
-                                <p:cTn id="5" presetID="2" presetClass="entr" presetSubtype="4" accel="50000" decel="50000" fill="hold" grpId="0" nodeType="clickEffect">
+                                <p:cTn id="5" presetID="9" presetClass="entr" presetSubtype="0" fill="hold" nodeType="clickEffect">
                                   <p:stCondLst>
                                     <p:cond delay="0"/>
                                   </p:stCondLst>
@@ -7177,6 +7315,67 @@
                                     <p:set>
                                       <p:cBhvr>
                                         <p:cTn id="6" dur="1" fill="hold">
+                                          <p:stCondLst>
+                                            <p:cond delay="0"/>
+                                          </p:stCondLst>
+                                        </p:cTn>
+                                        <p:tgtEl>
+                                          <p:spTgt spid="385027">
+                                            <p:txEl>
+                                              <p:pRg st="3" end="3"/>
+                                            </p:txEl>
+                                          </p:spTgt>
+                                        </p:tgtEl>
+                                        <p:attrNameLst>
+                                          <p:attrName>style.visibility</p:attrName>
+                                        </p:attrNameLst>
+                                      </p:cBhvr>
+                                      <p:to>
+                                        <p:strVal val="visible"/>
+                                      </p:to>
+                                    </p:set>
+                                    <p:animEffect transition="in" filter="dissolve">
+                                      <p:cBhvr>
+                                        <p:cTn id="7" dur="500"/>
+                                        <p:tgtEl>
+                                          <p:spTgt spid="385027">
+                                            <p:txEl>
+                                              <p:pRg st="3" end="3"/>
+                                            </p:txEl>
+                                          </p:spTgt>
+                                        </p:tgtEl>
+                                      </p:cBhvr>
+                                    </p:animEffect>
+                                  </p:childTnLst>
+                                </p:cTn>
+                              </p:par>
+                            </p:childTnLst>
+                          </p:cTn>
+                        </p:par>
+                      </p:childTnLst>
+                    </p:cTn>
+                  </p:par>
+                  <p:par>
+                    <p:cTn id="8" fill="hold">
+                      <p:stCondLst>
+                        <p:cond delay="indefinite"/>
+                      </p:stCondLst>
+                      <p:childTnLst>
+                        <p:par>
+                          <p:cTn id="9" fill="hold">
+                            <p:stCondLst>
+                              <p:cond delay="0"/>
+                            </p:stCondLst>
+                            <p:childTnLst>
+                              <p:par>
+                                <p:cTn id="10" presetID="2" presetClass="entr" presetSubtype="4" accel="50000" decel="50000" fill="hold" grpId="0" nodeType="clickEffect">
+                                  <p:stCondLst>
+                                    <p:cond delay="0"/>
+                                  </p:stCondLst>
+                                  <p:childTnLst>
+                                    <p:set>
+                                      <p:cBhvr>
+                                        <p:cTn id="11" dur="1" fill="hold">
                                           <p:stCondLst>
                                             <p:cond delay="0"/>
                                           </p:stCondLst>
@@ -7194,7 +7393,7 @@
                                     </p:set>
                                     <p:anim calcmode="lin" valueType="num">
                                       <p:cBhvr additive="base">
-                                        <p:cTn id="7" dur="1000" fill="hold"/>
+                                        <p:cTn id="12" dur="1000" fill="hold"/>
                                         <p:tgtEl>
                                           <p:spTgt spid="5123"/>
                                         </p:tgtEl>
@@ -7217,7 +7416,7 @@
                                     </p:anim>
                                     <p:anim calcmode="lin" valueType="num">
                                       <p:cBhvr additive="base">
-                                        <p:cTn id="8" dur="1000" fill="hold"/>
+                                        <p:cTn id="13" dur="1000" fill="hold"/>
                                         <p:tgtEl>
                                           <p:spTgt spid="5123"/>
                                         </p:tgtEl>
@@ -7321,7 +7520,11 @@
             </a:r>
             <a:r>
               <a:rPr lang="en-US" dirty="0" smtClean="0"/>
-              <a:t> 5F.</a:t>
+              <a:t> </a:t>
+            </a:r>
+            <a:r>
+              <a:rPr lang="en-US" dirty="0" smtClean="0"/>
+              <a:t>6W.</a:t>
             </a:r>
             <a:fld id="{1F6C5DAC-2009-4302-BE3F-4F64B63BF770}" type="slidenum">
               <a:rPr lang="en-US" smtClean="0"/>
@@ -8026,7 +8229,11 @@
             </a:r>
             <a:r>
               <a:rPr lang="en-US" dirty="0" smtClean="0"/>
-              <a:t> 5F.</a:t>
+              <a:t> </a:t>
+            </a:r>
+            <a:r>
+              <a:rPr lang="en-US" dirty="0" smtClean="0"/>
+              <a:t>6W.</a:t>
             </a:r>
             <a:fld id="{1F6C5DAC-2009-4302-BE3F-4F64B63BF770}" type="slidenum">
               <a:rPr lang="en-US" smtClean="0"/>
@@ -8809,6 +9016,45 @@
       </p:grpSpPr>
       <p:sp>
         <p:nvSpPr>
+          <p:cNvPr id="2" name="Title 1"/>
+          <p:cNvSpPr>
+            <a:spLocks noGrp="1"/>
+          </p:cNvSpPr>
+          <p:nvPr>
+            <p:ph type="title"/>
+          </p:nvPr>
+        </p:nvSpPr>
+        <p:spPr/>
+        <p:txBody>
+          <a:bodyPr/>
+          <a:lstStyle/>
+          <a:p>
+            <a:r>
+              <a:rPr lang="en-US" sz="4000" dirty="0" smtClean="0"/>
+              <a:t>Permuting </a:t>
+            </a:r>
+            <a:r>
+              <a:rPr lang="en-US" sz="4000" dirty="0" smtClean="0">
+                <a:solidFill>
+                  <a:schemeClr val="accent1">
+                    <a:lumMod val="50000"/>
+                  </a:schemeClr>
+                </a:solidFill>
+              </a:rPr>
+              <a:t>n*</a:t>
+            </a:r>
+            <a:endParaRPr lang="en-US" sz="4000" dirty="0">
+              <a:solidFill>
+                <a:schemeClr val="accent1">
+                  <a:lumMod val="50000"/>
+                </a:schemeClr>
+              </a:solidFill>
+            </a:endParaRPr>
+          </a:p>
+        </p:txBody>
+      </p:sp>
+      <p:sp>
+        <p:nvSpPr>
           <p:cNvPr id="4" name="Slide Number Placeholder 3"/>
           <p:cNvSpPr>
             <a:spLocks noGrp="1"/>
@@ -8836,14 +9082,831 @@
             </a:r>
             <a:r>
               <a:rPr lang="en-US" dirty="0" smtClean="0"/>
-              <a:t> 5F.</a:t>
+              <a:t> </a:t>
+            </a:r>
+            <a:r>
+              <a:rPr lang="en-US" dirty="0" smtClean="0"/>
+              <a:t>6W.</a:t>
+            </a:r>
+            <a:fld id="{A7FF40A1-BAF9-47AD-9B94-2540ACEF918D}" type="slidenum">
+              <a:rPr lang="en-US" smtClean="0"/>
+              <a:pPr>
+                <a:defRPr/>
+              </a:pPr>
+              <a:t>15</a:t>
+            </a:fld>
+            <a:endParaRPr lang="en-US" dirty="0"/>
+          </a:p>
+        </p:txBody>
+      </p:sp>
+      <p:sp>
+        <p:nvSpPr>
+          <p:cNvPr id="5" name="Rectangle 4"/>
+          <p:cNvSpPr/>
+          <p:nvPr/>
+        </p:nvSpPr>
+        <p:spPr>
+          <a:xfrm>
+            <a:off x="152400" y="1828800"/>
+            <a:ext cx="8839200" cy="3200876"/>
+          </a:xfrm>
+          <a:prstGeom prst="rect">
+            <a:avLst/>
+          </a:prstGeom>
+        </p:spPr>
+        <p:txBody>
+          <a:bodyPr wrap="square">
+            <a:spAutoFit/>
+          </a:bodyPr>
+          <a:lstStyle/>
+          <a:p>
+            <a:pPr lvl="0">
+              <a:defRPr/>
+            </a:pPr>
+            <a:r>
+              <a:rPr lang="en-US" sz="4000" dirty="0" smtClean="0">
+                <a:solidFill>
+                  <a:srgbClr val="000000"/>
+                </a:solidFill>
+                <a:latin typeface="Comic Sans MS"/>
+              </a:rPr>
+              <a:t>Lemma:</a:t>
+            </a:r>
+          </a:p>
+          <a:p>
+            <a:pPr lvl="0">
+              <a:defRPr/>
+            </a:pPr>
+            <a:r>
+              <a:rPr lang="en-US" sz="4800" dirty="0" smtClean="0">
+                <a:solidFill>
+                  <a:srgbClr val="000000"/>
+                </a:solidFill>
+                <a:latin typeface="Comic Sans MS"/>
+              </a:rPr>
+              <a:t> </a:t>
+            </a:r>
+            <a:r>
+              <a:rPr lang="en-US" sz="5400" dirty="0" smtClean="0">
+                <a:solidFill>
+                  <a:srgbClr val="000000"/>
+                </a:solidFill>
+                <a:latin typeface="Comic Sans MS"/>
+              </a:rPr>
+              <a:t>For </a:t>
+            </a:r>
+            <a:r>
+              <a:rPr lang="en-US" sz="5400" dirty="0" err="1" smtClean="0">
+                <a:solidFill>
+                  <a:srgbClr val="CCCCFF">
+                    <a:lumMod val="50000"/>
+                  </a:srgbClr>
+                </a:solidFill>
+                <a:latin typeface="Comic Sans MS"/>
+              </a:rPr>
+              <a:t>k</a:t>
+            </a:r>
+            <a:r>
+              <a:rPr lang="en-US" sz="5400" b="1" dirty="0" err="1" smtClean="0">
+                <a:solidFill>
+                  <a:schemeClr val="accent1">
+                    <a:lumMod val="50000"/>
+                  </a:schemeClr>
+                </a:solidFill>
+                <a:latin typeface="Euclid Symbol" charset="2"/>
+                <a:cs typeface="Euclid Symbol" charset="2"/>
+                <a:sym typeface="Euclid Symbol" pitchFamily="18" charset="2"/>
+              </a:rPr>
+              <a:t>∈</a:t>
+            </a:r>
+            <a:r>
+              <a:rPr lang="en-US" sz="5400" dirty="0" err="1" smtClean="0">
+                <a:solidFill>
+                  <a:srgbClr val="CCCCFF">
+                    <a:lumMod val="50000"/>
+                  </a:srgbClr>
+                </a:solidFill>
+                <a:latin typeface="Comic Sans MS"/>
+              </a:rPr>
+              <a:t>n</a:t>
+            </a:r>
+            <a:r>
+              <a:rPr lang="en-US" sz="5400" dirty="0" smtClean="0">
+                <a:solidFill>
+                  <a:srgbClr val="CCCCFF">
+                    <a:lumMod val="50000"/>
+                  </a:srgbClr>
+                </a:solidFill>
+                <a:latin typeface="Comic Sans MS"/>
+              </a:rPr>
+              <a:t>*</a:t>
+            </a:r>
+            <a:r>
+              <a:rPr lang="en-US" sz="5400" dirty="0" smtClean="0">
+                <a:solidFill>
+                  <a:srgbClr val="000000"/>
+                </a:solidFill>
+                <a:latin typeface="Comic Sans MS"/>
+              </a:rPr>
+              <a:t>,</a:t>
+            </a:r>
+            <a:r>
+              <a:rPr lang="en-US" sz="5400" dirty="0" smtClean="0">
+                <a:latin typeface="Comic Sans MS"/>
+              </a:rPr>
+              <a:t> the mapping</a:t>
+            </a:r>
+          </a:p>
+          <a:p>
+            <a:pPr lvl="0" algn="ctr">
+              <a:defRPr/>
+            </a:pPr>
+            <a:r>
+              <a:rPr lang="en-US" sz="5400" dirty="0" smtClean="0">
+                <a:latin typeface="Comic Sans MS"/>
+              </a:rPr>
+              <a:t>     </a:t>
+            </a:r>
+            <a:r>
+              <a:rPr lang="en-US" sz="5400" dirty="0" err="1" smtClean="0">
+                <a:solidFill>
+                  <a:schemeClr val="accent1">
+                    <a:lumMod val="50000"/>
+                  </a:schemeClr>
+                </a:solidFill>
+                <a:latin typeface="Comic Sans MS"/>
+              </a:rPr>
+              <a:t>m</a:t>
+            </a:r>
+            <a:r>
+              <a:rPr lang="en-US" sz="5400" dirty="0" smtClean="0">
+                <a:solidFill>
+                  <a:srgbClr val="CCCCFF">
+                    <a:lumMod val="50000"/>
+                  </a:srgbClr>
+                </a:solidFill>
+                <a:latin typeface="Comic Sans MS"/>
+              </a:rPr>
+              <a:t>  </a:t>
+            </a:r>
+            <a:r>
+              <a:rPr lang="en-US" sz="5400" b="1" dirty="0" smtClean="0">
+                <a:solidFill>
+                  <a:srgbClr val="CCCCFF">
+                    <a:lumMod val="50000"/>
+                  </a:srgbClr>
+                </a:solidFill>
+                <a:latin typeface="Euclid Symbol" charset="2"/>
+                <a:cs typeface="Euclid Symbol" charset="2"/>
+                <a:sym typeface="Euclid Symbol"/>
+              </a:rPr>
+              <a:t>→</a:t>
+            </a:r>
+            <a:r>
+              <a:rPr lang="en-US" sz="5400" b="1" dirty="0" smtClean="0">
+                <a:solidFill>
+                  <a:srgbClr val="CCCCFF">
+                    <a:lumMod val="50000"/>
+                  </a:srgbClr>
+                </a:solidFill>
+                <a:latin typeface="Comic Sans MS"/>
+                <a:sym typeface="Euclid Symbol"/>
+              </a:rPr>
+              <a:t>  </a:t>
+            </a:r>
+            <a:r>
+              <a:rPr lang="en-US" sz="5400" dirty="0" err="1" smtClean="0">
+                <a:solidFill>
+                  <a:srgbClr val="CCCCFF">
+                    <a:lumMod val="50000"/>
+                  </a:srgbClr>
+                </a:solidFill>
+                <a:latin typeface="Comic Sans MS"/>
+                <a:sym typeface="Euclid Symbol"/>
+              </a:rPr>
+              <a:t>rem(km</a:t>
+            </a:r>
+            <a:r>
+              <a:rPr lang="en-US" sz="5400" dirty="0" smtClean="0">
+                <a:solidFill>
+                  <a:srgbClr val="CCCCFF">
+                    <a:lumMod val="50000"/>
+                  </a:srgbClr>
+                </a:solidFill>
+                <a:latin typeface="Comic Sans MS"/>
+                <a:sym typeface="Euclid Symbol"/>
+              </a:rPr>
+              <a:t>, n)</a:t>
+            </a:r>
+          </a:p>
+          <a:p>
+            <a:pPr lvl="0">
+              <a:defRPr/>
+            </a:pPr>
+            <a:r>
+              <a:rPr lang="en-US" sz="5400" dirty="0" smtClean="0">
+                <a:latin typeface="Comic Sans MS"/>
+                <a:sym typeface="Euclid Symbol"/>
+              </a:rPr>
+              <a:t>is a </a:t>
+            </a:r>
+            <a:r>
+              <a:rPr lang="en-US" sz="5400" dirty="0" err="1" smtClean="0">
+                <a:latin typeface="Comic Sans MS"/>
+                <a:sym typeface="Euclid Symbol"/>
+              </a:rPr>
+              <a:t>bijection</a:t>
+            </a:r>
+            <a:r>
+              <a:rPr lang="en-US" sz="5400" dirty="0" smtClean="0">
+                <a:latin typeface="Comic Sans MS"/>
+                <a:sym typeface="Euclid Symbol"/>
+              </a:rPr>
+              <a:t> from </a:t>
+            </a:r>
+            <a:r>
+              <a:rPr lang="en-US" sz="5400" dirty="0" smtClean="0">
+                <a:solidFill>
+                  <a:schemeClr val="accent1">
+                    <a:lumMod val="50000"/>
+                  </a:schemeClr>
+                </a:solidFill>
+                <a:latin typeface="Comic Sans MS"/>
+                <a:sym typeface="Euclid Symbol"/>
+              </a:rPr>
+              <a:t>n*</a:t>
+            </a:r>
+            <a:r>
+              <a:rPr lang="en-US" sz="5400" dirty="0" smtClean="0">
+                <a:latin typeface="Comic Sans MS"/>
+                <a:sym typeface="Euclid Symbol"/>
+              </a:rPr>
+              <a:t> to </a:t>
+            </a:r>
+            <a:r>
+              <a:rPr lang="en-US" sz="5400" dirty="0" smtClean="0">
+                <a:solidFill>
+                  <a:schemeClr val="accent1">
+                    <a:lumMod val="50000"/>
+                  </a:schemeClr>
+                </a:solidFill>
+                <a:latin typeface="Comic Sans MS"/>
+                <a:sym typeface="Euclid Symbol"/>
+              </a:rPr>
+              <a:t>n*</a:t>
+            </a:r>
+            <a:endParaRPr lang="en-US" sz="5400" dirty="0" smtClean="0">
+              <a:solidFill>
+                <a:schemeClr val="accent1">
+                  <a:lumMod val="50000"/>
+                </a:schemeClr>
+              </a:solidFill>
+              <a:latin typeface="Comic Sans MS"/>
+            </a:endParaRPr>
+          </a:p>
+        </p:txBody>
+      </p:sp>
+      <p:sp>
+        <p:nvSpPr>
+          <p:cNvPr id="6" name="Slide Number Placeholder 3"/>
+          <p:cNvSpPr txBox="1">
+            <a:spLocks/>
+          </p:cNvSpPr>
+          <p:nvPr/>
+        </p:nvSpPr>
+        <p:spPr bwMode="auto">
+          <a:xfrm>
+            <a:off x="6477000" y="6553200"/>
+            <a:ext cx="2667000" cy="307777"/>
+          </a:xfrm>
+          <a:prstGeom prst="rect">
+            <a:avLst/>
+          </a:prstGeom>
+          <a:noFill/>
+          <a:ln w="9525">
+            <a:noFill/>
+            <a:miter lim="800000"/>
+            <a:headEnd/>
+            <a:tailEnd/>
+          </a:ln>
+          <a:effectLst/>
+        </p:spPr>
+        <p:txBody>
+          <a:bodyPr vert="horz" wrap="square" lIns="91440" tIns="45720" rIns="91440" bIns="45720" numCol="1" anchor="t" anchorCtr="0" compatLnSpc="1">
+            <a:prstTxWarp prst="textNoShape">
+              <a:avLst/>
+            </a:prstTxWarp>
+            <a:spAutoFit/>
+          </a:bodyPr>
+          <a:lstStyle/>
+          <a:p>
+            <a:pPr marL="0" marR="0" lvl="0" indent="0" algn="r" defTabSz="914400" rtl="0" eaLnBrk="0" fontAlgn="base" latinLnBrk="0" hangingPunct="0">
+              <a:lnSpc>
+                <a:spcPct val="100000"/>
+              </a:lnSpc>
+              <a:spcBef>
+                <a:spcPct val="0"/>
+              </a:spcBef>
+              <a:spcAft>
+                <a:spcPct val="0"/>
+              </a:spcAft>
+              <a:buClrTx/>
+              <a:buSzTx/>
+              <a:buFontTx/>
+              <a:buNone/>
+              <a:tabLst/>
+              <a:defRPr/>
+            </a:pPr>
+            <a:r>
+              <a:rPr kumimoji="0" lang="en-US" sz="1400" b="0" i="0" u="none" strike="noStrike" kern="1200" cap="none" spc="0" normalizeH="0" baseline="0" noProof="0" dirty="0" err="1" smtClean="0">
+                <a:ln>
+                  <a:noFill/>
+                </a:ln>
+                <a:solidFill>
+                  <a:schemeClr val="tx1"/>
+                </a:solidFill>
+                <a:effectLst/>
+                <a:uLnTx/>
+                <a:uFillTx/>
+                <a:latin typeface="+mn-lt"/>
+                <a:ea typeface="+mn-ea"/>
+                <a:cs typeface="+mn-cs"/>
+              </a:rPr>
+              <a:t>lec</a:t>
+            </a:r>
+            <a:r>
+              <a:rPr kumimoji="0" lang="en-US" sz="1400" b="0" i="0" u="none" strike="noStrike" kern="1200" cap="none" spc="0" normalizeH="0" baseline="0" noProof="0" dirty="0" smtClean="0">
+                <a:ln>
+                  <a:noFill/>
+                </a:ln>
+                <a:solidFill>
+                  <a:schemeClr val="tx1"/>
+                </a:solidFill>
+                <a:effectLst/>
+                <a:uLnTx/>
+                <a:uFillTx/>
+                <a:latin typeface="+mn-lt"/>
+                <a:ea typeface="+mn-ea"/>
+                <a:cs typeface="+mn-cs"/>
+              </a:rPr>
+              <a:t> </a:t>
+            </a:r>
+            <a:r>
+              <a:rPr kumimoji="0" lang="en-US" sz="1400" b="0" i="0" u="none" strike="noStrike" kern="1200" cap="none" spc="0" normalizeH="0" baseline="0" noProof="0" dirty="0" smtClean="0">
+                <a:ln>
+                  <a:noFill/>
+                </a:ln>
+                <a:solidFill>
+                  <a:schemeClr val="tx1"/>
+                </a:solidFill>
+                <a:effectLst/>
+                <a:uLnTx/>
+                <a:uFillTx/>
+                <a:latin typeface="+mn-lt"/>
+                <a:ea typeface="+mn-ea"/>
+                <a:cs typeface="+mn-cs"/>
+              </a:rPr>
+              <a:t>6W.</a:t>
+            </a:r>
+            <a:fld id="{240449DF-F5E8-4908-A8C5-8B1F7074FE06}" type="slidenum">
+              <a:rPr kumimoji="0" lang="en-US" sz="1400" b="0" i="0" u="none" strike="noStrike" kern="1200" cap="none" spc="0" normalizeH="0" baseline="0" noProof="0" smtClean="0">
+                <a:ln>
+                  <a:noFill/>
+                </a:ln>
+                <a:solidFill>
+                  <a:schemeClr val="tx1"/>
+                </a:solidFill>
+                <a:effectLst/>
+                <a:uLnTx/>
+                <a:uFillTx/>
+                <a:latin typeface="+mn-lt"/>
+                <a:ea typeface="+mn-ea"/>
+                <a:cs typeface="+mn-cs"/>
+              </a:rPr>
+              <a:pPr marL="0" marR="0" lvl="0" indent="0" algn="r" defTabSz="914400" rtl="0" eaLnBrk="0" fontAlgn="base" latinLnBrk="0" hangingPunct="0">
+                <a:lnSpc>
+                  <a:spcPct val="100000"/>
+                </a:lnSpc>
+                <a:spcBef>
+                  <a:spcPct val="0"/>
+                </a:spcBef>
+                <a:spcAft>
+                  <a:spcPct val="0"/>
+                </a:spcAft>
+                <a:buClrTx/>
+                <a:buSzTx/>
+                <a:buFontTx/>
+                <a:buNone/>
+                <a:tabLst/>
+                <a:defRPr/>
+              </a:pPr>
+              <a:t>15</a:t>
+            </a:fld>
+            <a:endParaRPr kumimoji="0" lang="en-US" sz="1400" b="0" i="0" u="none" strike="noStrike" kern="1200" cap="none" spc="0" normalizeH="0" baseline="0" noProof="0" dirty="0" err="1" smtClean="0">
+              <a:ln>
+                <a:noFill/>
+              </a:ln>
+              <a:solidFill>
+                <a:schemeClr val="tx1"/>
+              </a:solidFill>
+              <a:effectLst/>
+              <a:uLnTx/>
+              <a:uFillTx/>
+              <a:latin typeface="+mn-lt"/>
+              <a:ea typeface="+mn-ea"/>
+              <a:cs typeface="+mn-cs"/>
+            </a:endParaRPr>
+          </a:p>
+        </p:txBody>
+      </p:sp>
+      <p:grpSp>
+        <p:nvGrpSpPr>
+          <p:cNvPr id="8" name="Group 7"/>
+          <p:cNvGrpSpPr/>
+          <p:nvPr/>
+        </p:nvGrpSpPr>
+        <p:grpSpPr>
+          <a:xfrm>
+            <a:off x="76200" y="4038600"/>
+            <a:ext cx="8991600" cy="1219200"/>
+            <a:chOff x="76200" y="4038600"/>
+            <a:chExt cx="8991600" cy="1219200"/>
+          </a:xfrm>
+        </p:grpSpPr>
+        <p:sp>
+          <p:nvSpPr>
+            <p:cNvPr id="7" name="Rectangle 6"/>
+            <p:cNvSpPr/>
+            <p:nvPr/>
+          </p:nvSpPr>
+          <p:spPr bwMode="auto">
+            <a:xfrm>
+              <a:off x="76200" y="4038600"/>
+              <a:ext cx="8991600" cy="1219200"/>
+            </a:xfrm>
+            <a:prstGeom prst="rect">
+              <a:avLst/>
+            </a:prstGeom>
+            <a:noFill/>
+            <a:ln w="50800" cap="flat" cmpd="sng" algn="ctr">
+              <a:solidFill>
+                <a:srgbClr val="FF00FF"/>
+              </a:solidFill>
+              <a:prstDash val="sysDash"/>
+              <a:round/>
+              <a:headEnd type="none" w="med" len="med"/>
+              <a:tailEnd type="arrow" w="lg" len="lg"/>
+            </a:ln>
+            <a:effectLst/>
+          </p:spPr>
+          <p:txBody>
+            <a:bodyPr vert="horz" wrap="square" lIns="91440" tIns="45720" rIns="91440" bIns="45720" numCol="1" rtlCol="0" anchor="t" anchorCtr="0" compatLnSpc="1">
+              <a:prstTxWarp prst="textNoShape">
+                <a:avLst/>
+              </a:prstTxWarp>
+            </a:bodyPr>
+            <a:lstStyle/>
+            <a:p>
+              <a:pPr marL="0" marR="0" indent="0" algn="l" defTabSz="914400" rtl="0" eaLnBrk="1" fontAlgn="base" latinLnBrk="0" hangingPunct="1">
+                <a:lnSpc>
+                  <a:spcPct val="100000"/>
+                </a:lnSpc>
+                <a:spcBef>
+                  <a:spcPct val="0"/>
+                </a:spcBef>
+                <a:spcAft>
+                  <a:spcPct val="0"/>
+                </a:spcAft>
+                <a:buClrTx/>
+                <a:buSzTx/>
+                <a:buFontTx/>
+                <a:buNone/>
+                <a:tabLst/>
+              </a:pPr>
+              <a:endParaRPr kumimoji="0" lang="en-US" sz="3600" b="0" i="0" u="none" strike="noStrike" cap="none" normalizeH="0" baseline="0" smtClean="0">
+                <a:ln>
+                  <a:noFill/>
+                </a:ln>
+                <a:solidFill>
+                  <a:schemeClr val="tx1"/>
+                </a:solidFill>
+                <a:effectLst/>
+                <a:latin typeface="Times New Roman" pitchFamily="18" charset="0"/>
+              </a:endParaRPr>
+            </a:p>
+          </p:txBody>
+        </p:sp>
+        <p:sp useBgFill="1">
+          <p:nvSpPr>
+            <p:cNvPr id="3" name="TextBox 2"/>
+            <p:cNvSpPr txBox="1"/>
+            <p:nvPr/>
+          </p:nvSpPr>
+          <p:spPr>
+            <a:xfrm>
+              <a:off x="127718" y="4114800"/>
+              <a:ext cx="8888563" cy="923330"/>
+            </a:xfrm>
+            <a:prstGeom prst="rect">
+              <a:avLst/>
+            </a:prstGeom>
+          </p:spPr>
+          <p:txBody>
+            <a:bodyPr wrap="square" rtlCol="0">
+              <a:spAutoFit/>
+            </a:bodyPr>
+            <a:lstStyle/>
+            <a:p>
+              <a:r>
+                <a:rPr lang="en-US" sz="5400" dirty="0" err="1">
+                  <a:latin typeface="+mj-lt"/>
+                </a:rPr>
+                <a:t>mult</a:t>
+              </a:r>
+              <a:r>
+                <a:rPr lang="en-US" sz="5400" dirty="0">
+                  <a:latin typeface="+mj-lt"/>
+                </a:rPr>
+                <a:t> by </a:t>
+              </a:r>
+              <a:r>
+                <a:rPr lang="en-US" sz="5400" dirty="0" err="1">
+                  <a:solidFill>
+                    <a:srgbClr val="0000CC"/>
+                  </a:solidFill>
+                  <a:latin typeface="+mj-lt"/>
+                </a:rPr>
+                <a:t>k</a:t>
+              </a:r>
+              <a:r>
+                <a:rPr lang="en-US" sz="5400" b="1" dirty="0" err="1">
+                  <a:solidFill>
+                    <a:srgbClr val="0000CC"/>
+                  </a:solidFill>
+                  <a:latin typeface="Euclid Symbol" charset="2"/>
+                  <a:cs typeface="Euclid Symbol" charset="2"/>
+                </a:rPr>
+                <a:t>∈</a:t>
+              </a:r>
+              <a:r>
+                <a:rPr lang="en-US" sz="5400" dirty="0" err="1">
+                  <a:solidFill>
+                    <a:srgbClr val="0000CC"/>
+                  </a:solidFill>
+                  <a:latin typeface="+mj-lt"/>
+                </a:rPr>
+                <a:t>n</a:t>
+              </a:r>
+              <a:r>
+                <a:rPr lang="en-US" sz="5400" dirty="0">
+                  <a:solidFill>
+                    <a:srgbClr val="0000CC"/>
+                  </a:solidFill>
+                  <a:latin typeface="+mj-lt"/>
+                </a:rPr>
+                <a:t>*</a:t>
+              </a:r>
+              <a:r>
+                <a:rPr lang="en-US" sz="5400" dirty="0">
+                  <a:latin typeface="+mj-lt"/>
+                </a:rPr>
+                <a:t>, permutes </a:t>
+              </a:r>
+              <a:r>
+                <a:rPr lang="en-US" sz="5400" dirty="0">
+                  <a:solidFill>
+                    <a:srgbClr val="0000CC"/>
+                  </a:solidFill>
+                  <a:latin typeface="+mj-lt"/>
+                </a:rPr>
+                <a:t>n</a:t>
+              </a:r>
+              <a:r>
+                <a:rPr lang="en-US" sz="5400" dirty="0" smtClean="0">
+                  <a:latin typeface="+mj-lt"/>
+                </a:rPr>
+                <a:t>*</a:t>
+              </a:r>
+              <a:endParaRPr lang="en-US" sz="5400" dirty="0">
+                <a:latin typeface="+mj-lt"/>
+              </a:endParaRPr>
+            </a:p>
+          </p:txBody>
+        </p:sp>
+      </p:grpSp>
+    </p:spTree>
+  </p:cSld>
+  <p:clrMapOvr>
+    <a:masterClrMapping/>
+  </p:clrMapOvr>
+  <p:transition xmlns:p14="http://schemas.microsoft.com/office/powerpoint/2010/main" spd="slow">
+    <p:fade/>
+  </p:transition>
+  <p:timing>
+    <p:tnLst>
+      <p:par>
+        <p:cTn xmlns:p14="http://schemas.microsoft.com/office/powerpoint/2010/main" id="1" dur="indefinite" restart="never" nodeType="tmRoot">
+          <p:childTnLst>
+            <p:seq concurrent="1" nextAc="seek">
+              <p:cTn id="2" dur="indefinite" nodeType="mainSeq">
+                <p:childTnLst>
+                  <p:par>
+                    <p:cTn id="3" fill="hold">
+                      <p:stCondLst>
+                        <p:cond delay="indefinite"/>
+                      </p:stCondLst>
+                      <p:childTnLst>
+                        <p:par>
+                          <p:cTn id="4" fill="hold">
+                            <p:stCondLst>
+                              <p:cond delay="0"/>
+                            </p:stCondLst>
+                            <p:childTnLst>
+                              <p:par>
+                                <p:cTn id="5" presetID="9" presetClass="entr" presetSubtype="0" fill="hold" nodeType="clickEffect">
+                                  <p:stCondLst>
+                                    <p:cond delay="0"/>
+                                  </p:stCondLst>
+                                  <p:childTnLst>
+                                    <p:set>
+                                      <p:cBhvr>
+                                        <p:cTn id="6" dur="1" fill="hold">
+                                          <p:stCondLst>
+                                            <p:cond delay="0"/>
+                                          </p:stCondLst>
+                                        </p:cTn>
+                                        <p:tgtEl>
+                                          <p:spTgt spid="5">
+                                            <p:txEl>
+                                              <p:pRg st="3" end="3"/>
+                                            </p:txEl>
+                                          </p:spTgt>
+                                        </p:tgtEl>
+                                        <p:attrNameLst>
+                                          <p:attrName>style.visibility</p:attrName>
+                                        </p:attrNameLst>
+                                      </p:cBhvr>
+                                      <p:to>
+                                        <p:strVal val="visible"/>
+                                      </p:to>
+                                    </p:set>
+                                    <p:animEffect transition="in" filter="dissolve">
+                                      <p:cBhvr>
+                                        <p:cTn id="7" dur="500"/>
+                                        <p:tgtEl>
+                                          <p:spTgt spid="5">
+                                            <p:txEl>
+                                              <p:pRg st="3" end="3"/>
+                                            </p:txEl>
+                                          </p:spTgt>
+                                        </p:tgtEl>
+                                      </p:cBhvr>
+                                    </p:animEffect>
+                                  </p:childTnLst>
+                                </p:cTn>
+                              </p:par>
+                            </p:childTnLst>
+                          </p:cTn>
+                        </p:par>
+                      </p:childTnLst>
+                    </p:cTn>
+                  </p:par>
+                  <p:par>
+                    <p:cTn id="8" fill="hold">
+                      <p:stCondLst>
+                        <p:cond delay="indefinite"/>
+                      </p:stCondLst>
+                      <p:childTnLst>
+                        <p:par>
+                          <p:cTn id="9" fill="hold">
+                            <p:stCondLst>
+                              <p:cond delay="0"/>
+                            </p:stCondLst>
+                            <p:childTnLst>
+                              <p:par>
+                                <p:cTn id="10" presetID="9" presetClass="entr" presetSubtype="0" fill="hold" nodeType="clickEffect">
+                                  <p:stCondLst>
+                                    <p:cond delay="0"/>
+                                  </p:stCondLst>
+                                  <p:childTnLst>
+                                    <p:set>
+                                      <p:cBhvr>
+                                        <p:cTn id="11" dur="1" fill="hold">
+                                          <p:stCondLst>
+                                            <p:cond delay="0"/>
+                                          </p:stCondLst>
+                                        </p:cTn>
+                                        <p:tgtEl>
+                                          <p:spTgt spid="8"/>
+                                        </p:tgtEl>
+                                        <p:attrNameLst>
+                                          <p:attrName>style.visibility</p:attrName>
+                                        </p:attrNameLst>
+                                      </p:cBhvr>
+                                      <p:to>
+                                        <p:strVal val="visible"/>
+                                      </p:to>
+                                    </p:set>
+                                    <p:animEffect transition="in" filter="dissolve">
+                                      <p:cBhvr>
+                                        <p:cTn id="12" dur="500"/>
+                                        <p:tgtEl>
+                                          <p:spTgt spid="8"/>
+                                        </p:tgtEl>
+                                      </p:cBhvr>
+                                    </p:animEffect>
+                                  </p:childTnLst>
+                                </p:cTn>
+                              </p:par>
+                            </p:childTnLst>
+                          </p:cTn>
+                        </p:par>
+                      </p:childTnLst>
+                    </p:cTn>
+                  </p:par>
+                </p:childTnLst>
+              </p:cTn>
+              <p:prevCondLst>
+                <p:cond evt="onPrev" delay="0">
+                  <p:tgtEl>
+                    <p:sldTgt/>
+                  </p:tgtEl>
+                </p:cond>
+              </p:prevCondLst>
+              <p:nextCondLst>
+                <p:cond evt="onNext" delay="0">
+                  <p:tgtEl>
+                    <p:sldTgt/>
+                  </p:tgtEl>
+                </p:cond>
+              </p:nextCondLst>
+            </p:seq>
+          </p:childTnLst>
+        </p:cTn>
+      </p:par>
+    </p:tnLst>
+  </p:timing>
+</p:sld>
+</file>
+
+<file path=ppt/slides/slide16.xml><?xml version="1.0" encoding="utf-8"?>
+<p:sld xmlns:a="http://schemas.openxmlformats.org/drawingml/2006/main" xmlns:r="http://schemas.openxmlformats.org/officeDocument/2006/relationships" xmlns:p="http://schemas.openxmlformats.org/presentationml/2006/main" show="0">
+  <p:cSld>
+    <p:spTree>
+      <p:nvGrpSpPr>
+        <p:cNvPr id="1" name=""/>
+        <p:cNvGrpSpPr/>
+        <p:nvPr/>
+      </p:nvGrpSpPr>
+      <p:grpSpPr>
+        <a:xfrm>
+          <a:off x="0" y="0"/>
+          <a:ext cx="0" cy="0"/>
+          <a:chOff x="0" y="0"/>
+          <a:chExt cx="0" cy="0"/>
+        </a:xfrm>
+      </p:grpSpPr>
+      <p:sp>
+        <p:nvSpPr>
+          <p:cNvPr id="4" name="Slide Number Placeholder 3"/>
+          <p:cNvSpPr>
+            <a:spLocks noGrp="1"/>
+          </p:cNvSpPr>
+          <p:nvPr>
+            <p:ph type="sldNum" sz="quarter" idx="4"/>
+          </p:nvPr>
+        </p:nvSpPr>
+        <p:spPr>
+          <a:xfrm>
+            <a:off x="6477000" y="6553200"/>
+            <a:ext cx="2667000" cy="307777"/>
+          </a:xfrm>
+        </p:spPr>
+        <p:txBody>
+          <a:bodyPr/>
+          <a:lstStyle/>
+          <a:p>
+            <a:pPr>
+              <a:defRPr/>
+            </a:pPr>
+            <a:r>
+              <a:rPr lang="en-US" dirty="0" err="1" smtClean="0"/>
+              <a:t>lec</a:t>
+            </a:r>
+            <a:r>
+              <a:rPr lang="en-US" dirty="0" smtClean="0"/>
+              <a:t> </a:t>
+            </a:r>
+            <a:r>
+              <a:rPr lang="en-US" dirty="0" smtClean="0"/>
+              <a:t>6W.</a:t>
             </a:r>
             <a:fld id="{1F6C5DAC-2009-4302-BE3F-4F64B63BF770}" type="slidenum">
               <a:rPr lang="en-US" smtClean="0"/>
               <a:pPr>
                 <a:defRPr/>
               </a:pPr>
-              <a:t>15</a:t>
+              <a:t>16</a:t>
             </a:fld>
             <a:endParaRPr lang="en-US" dirty="0"/>
           </a:p>
@@ -9395,7 +10458,7 @@
 </p:sld>
 </file>
 
-<file path=ppt/slides/slide16.xml><?xml version="1.0" encoding="utf-8"?>
+<file path=ppt/slides/slide17.xml><?xml version="1.0" encoding="utf-8"?>
 <p:sld xmlns:a="http://schemas.openxmlformats.org/drawingml/2006/main" xmlns:r="http://schemas.openxmlformats.org/officeDocument/2006/relationships" xmlns:p="http://schemas.openxmlformats.org/presentationml/2006/main" show="0">
   <p:cSld>
     <p:spTree>
@@ -9441,14 +10504,18 @@
             </a:r>
             <a:r>
               <a:rPr lang="en-US" dirty="0" smtClean="0"/>
-              <a:t> 5F.</a:t>
+              <a:t> </a:t>
+            </a:r>
+            <a:r>
+              <a:rPr lang="en-US" dirty="0" smtClean="0"/>
+              <a:t>6W.</a:t>
             </a:r>
             <a:fld id="{1F6C5DAC-2009-4302-BE3F-4F64B63BF770}" type="slidenum">
               <a:rPr lang="en-US" smtClean="0"/>
               <a:pPr>
                 <a:defRPr/>
               </a:pPr>
-              <a:t>16</a:t>
+              <a:t>17</a:t>
             </a:fld>
             <a:endParaRPr lang="en-US" dirty="0"/>
           </a:p>
@@ -9860,7 +10927,7 @@
 </p:sld>
 </file>
 
-<file path=ppt/slides/slide17.xml><?xml version="1.0" encoding="utf-8"?>
+<file path=ppt/slides/slide18.xml><?xml version="1.0" encoding="utf-8"?>
 <p:sld xmlns:a="http://schemas.openxmlformats.org/drawingml/2006/main" xmlns:r="http://schemas.openxmlformats.org/officeDocument/2006/relationships" xmlns:p="http://schemas.openxmlformats.org/presentationml/2006/main">
   <p:cSld>
     <p:spTree>
@@ -9906,14 +10973,18 @@
             </a:r>
             <a:r>
               <a:rPr lang="en-US" dirty="0" smtClean="0"/>
-              <a:t> 5F.</a:t>
+              <a:t> </a:t>
+            </a:r>
+            <a:r>
+              <a:rPr lang="en-US" dirty="0" smtClean="0"/>
+              <a:t>6W.</a:t>
             </a:r>
             <a:fld id="{240449DF-F5E8-4908-A8C5-8B1F7074FE06}" type="slidenum">
               <a:rPr lang="en-US" smtClean="0"/>
               <a:pPr>
                 <a:defRPr/>
               </a:pPr>
-              <a:t>17</a:t>
+              <a:t>18</a:t>
             </a:fld>
             <a:endParaRPr lang="en-US" dirty="0" err="1" smtClean="0"/>
           </a:p>
@@ -10475,7 +11546,7 @@
 </p:sld>
 </file>
 
-<file path=ppt/slides/slide18.xml><?xml version="1.0" encoding="utf-8"?>
+<file path=ppt/slides/slide19.xml><?xml version="1.0" encoding="utf-8"?>
 <p:sld xmlns:a="http://schemas.openxmlformats.org/drawingml/2006/main" xmlns:r="http://schemas.openxmlformats.org/officeDocument/2006/relationships" xmlns:p="http://schemas.openxmlformats.org/presentationml/2006/main">
   <p:cSld>
     <p:spTree>
@@ -10521,14 +11592,18 @@
             </a:r>
             <a:r>
               <a:rPr lang="en-US" dirty="0" smtClean="0"/>
-              <a:t> 5F.</a:t>
+              <a:t> </a:t>
+            </a:r>
+            <a:r>
+              <a:rPr lang="en-US" dirty="0" smtClean="0"/>
+              <a:t>6W.</a:t>
             </a:r>
             <a:fld id="{240449DF-F5E8-4908-A8C5-8B1F7074FE06}" type="slidenum">
               <a:rPr lang="en-US" smtClean="0"/>
               <a:pPr>
                 <a:defRPr/>
               </a:pPr>
-              <a:t>18</a:t>
+              <a:t>19</a:t>
             </a:fld>
             <a:endParaRPr lang="en-US" dirty="0" err="1" smtClean="0"/>
           </a:p>
@@ -11475,7 +12550,741 @@
 </p:sld>
 </file>
 
-<file path=ppt/slides/slide19.xml><?xml version="1.0" encoding="utf-8"?>
+<file path=ppt/slides/slide2.xml><?xml version="1.0" encoding="utf-8"?>
+<p:sld xmlns:a="http://schemas.openxmlformats.org/drawingml/2006/main" xmlns:r="http://schemas.openxmlformats.org/officeDocument/2006/relationships" xmlns:p="http://schemas.openxmlformats.org/presentationml/2006/main">
+  <p:cSld>
+    <p:spTree>
+      <p:nvGrpSpPr>
+        <p:cNvPr id="1" name=""/>
+        <p:cNvGrpSpPr/>
+        <p:nvPr/>
+      </p:nvGrpSpPr>
+      <p:grpSpPr>
+        <a:xfrm>
+          <a:off x="0" y="0"/>
+          <a:ext cx="0" cy="0"/>
+          <a:chOff x="0" y="0"/>
+          <a:chExt cx="0" cy="0"/>
+        </a:xfrm>
+      </p:grpSpPr>
+      <p:sp>
+        <p:nvSpPr>
+          <p:cNvPr id="6" name="Slide Number Placeholder 3"/>
+          <p:cNvSpPr>
+            <a:spLocks noGrp="1"/>
+          </p:cNvSpPr>
+          <p:nvPr>
+            <p:ph type="sldNum" sz="quarter" idx="4"/>
+          </p:nvPr>
+        </p:nvSpPr>
+        <p:spPr>
+          <a:xfrm>
+            <a:off x="6477000" y="6553200"/>
+            <a:ext cx="2667000" cy="307777"/>
+          </a:xfrm>
+        </p:spPr>
+        <p:txBody>
+          <a:bodyPr/>
+          <a:lstStyle/>
+          <a:p>
+            <a:pPr>
+              <a:defRPr/>
+            </a:pPr>
+            <a:r>
+              <a:rPr lang="en-US" dirty="0" err="1" smtClean="0"/>
+              <a:t>lec</a:t>
+            </a:r>
+            <a:r>
+              <a:rPr lang="en-US" dirty="0" smtClean="0"/>
+              <a:t> </a:t>
+            </a:r>
+            <a:r>
+              <a:rPr lang="en-US" dirty="0" smtClean="0"/>
+              <a:t>6W.</a:t>
+            </a:r>
+            <a:fld id="{3130C671-BAFA-40C0-AA12-97E3C8E99BD9}" type="slidenum">
+              <a:rPr lang="en-US" smtClean="0"/>
+              <a:pPr>
+                <a:defRPr/>
+              </a:pPr>
+              <a:t>2</a:t>
+            </a:fld>
+            <a:endParaRPr lang="en-US" dirty="0"/>
+          </a:p>
+        </p:txBody>
+      </p:sp>
+      <p:sp>
+        <p:nvSpPr>
+          <p:cNvPr id="372738" name="Rectangle 2"/>
+          <p:cNvSpPr>
+            <a:spLocks noGrp="1" noChangeArrowheads="1"/>
+          </p:cNvSpPr>
+          <p:nvPr>
+            <p:ph type="title"/>
+          </p:nvPr>
+        </p:nvSpPr>
+        <p:spPr>
+          <a:xfrm>
+            <a:off x="1676400" y="0"/>
+            <a:ext cx="5791200" cy="990600"/>
+          </a:xfrm>
+        </p:spPr>
+        <p:txBody>
+          <a:bodyPr/>
+          <a:lstStyle/>
+          <a:p>
+            <a:pPr eaLnBrk="1" hangingPunct="1">
+              <a:defRPr/>
+            </a:pPr>
+            <a:r>
+              <a:rPr lang="en-US" sz="4400" dirty="0" smtClean="0">
+                <a:solidFill>
+                  <a:schemeClr val="tx1"/>
+                </a:solidFill>
+              </a:rPr>
+              <a:t>Euler </a:t>
+            </a:r>
+            <a:r>
+              <a:rPr lang="en-US" sz="5400" dirty="0" err="1" smtClean="0">
+                <a:solidFill>
+                  <a:schemeClr val="tx1"/>
+                </a:solidFill>
+                <a:latin typeface="Euclid Symbol" charset="2"/>
+                <a:cs typeface="Euclid Symbol" charset="2"/>
+                <a:sym typeface="Euclid Symbol"/>
+              </a:rPr>
+              <a:t>φ</a:t>
+            </a:r>
+            <a:r>
+              <a:rPr lang="en-US" sz="4400" dirty="0" smtClean="0">
+                <a:solidFill>
+                  <a:schemeClr val="tx1"/>
+                </a:solidFill>
+              </a:rPr>
+              <a:t> function</a:t>
+            </a:r>
+          </a:p>
+        </p:txBody>
+      </p:sp>
+      <p:sp>
+        <p:nvSpPr>
+          <p:cNvPr id="372739" name="Rectangle 3"/>
+          <p:cNvSpPr>
+            <a:spLocks noGrp="1" noChangeArrowheads="1"/>
+          </p:cNvSpPr>
+          <p:nvPr>
+            <p:ph type="body" idx="1"/>
+          </p:nvPr>
+        </p:nvSpPr>
+        <p:spPr>
+          <a:xfrm>
+            <a:off x="152400" y="1066800"/>
+            <a:ext cx="8953500" cy="4714875"/>
+          </a:xfrm>
+        </p:spPr>
+        <p:txBody>
+          <a:bodyPr/>
+          <a:lstStyle/>
+          <a:p>
+            <a:pPr marL="609600" indent="-609600" eaLnBrk="1" hangingPunct="1">
+              <a:buFontTx/>
+              <a:buNone/>
+              <a:defRPr/>
+            </a:pPr>
+            <a:r>
+              <a:rPr lang="en-US" sz="7200" b="1" dirty="0" err="1" smtClean="0">
+                <a:solidFill>
+                  <a:schemeClr val="accent1">
+                    <a:lumMod val="50000"/>
+                  </a:schemeClr>
+                </a:solidFill>
+                <a:latin typeface="Euclid Symbol" charset="2"/>
+                <a:cs typeface="Euclid Symbol" charset="2"/>
+                <a:sym typeface="Euclid Symbol"/>
+              </a:rPr>
+              <a:t>φ</a:t>
+            </a:r>
+            <a:r>
+              <a:rPr lang="en-US" sz="7200" dirty="0" err="1" smtClean="0">
+                <a:solidFill>
+                  <a:schemeClr val="accent1">
+                    <a:lumMod val="50000"/>
+                  </a:schemeClr>
+                </a:solidFill>
+              </a:rPr>
+              <a:t>(n</a:t>
+            </a:r>
+            <a:r>
+              <a:rPr lang="en-US" sz="7200" dirty="0" smtClean="0">
+                <a:solidFill>
+                  <a:schemeClr val="accent1">
+                    <a:lumMod val="50000"/>
+                  </a:schemeClr>
+                </a:solidFill>
+              </a:rPr>
+              <a:t>) </a:t>
+            </a:r>
+            <a:r>
+              <a:rPr lang="en-US" sz="7200" dirty="0" smtClean="0"/>
+              <a:t>::=</a:t>
+            </a:r>
+          </a:p>
+          <a:p>
+            <a:pPr marL="609600" indent="-609600" eaLnBrk="1" hangingPunct="1">
+              <a:buFontTx/>
+              <a:buNone/>
+              <a:defRPr/>
+            </a:pPr>
+            <a:r>
+              <a:rPr lang="en-US" sz="7200" dirty="0" smtClean="0">
+                <a:solidFill>
+                  <a:schemeClr val="accent1">
+                    <a:lumMod val="50000"/>
+                  </a:schemeClr>
+                </a:solidFill>
+              </a:rPr>
+              <a:t> </a:t>
+            </a:r>
+            <a:r>
+              <a:rPr lang="en-US" sz="7200" dirty="0" smtClean="0"/>
+              <a:t>#</a:t>
+            </a:r>
+            <a:r>
+              <a:rPr lang="en-US" sz="7200" dirty="0" smtClean="0">
+                <a:solidFill>
+                  <a:schemeClr val="accent1">
+                    <a:lumMod val="50000"/>
+                  </a:schemeClr>
+                </a:solidFill>
+              </a:rPr>
+              <a:t> </a:t>
+            </a:r>
+            <a:r>
+              <a:rPr lang="en-US" sz="7200" dirty="0" err="1" smtClean="0">
+                <a:solidFill>
+                  <a:schemeClr val="accent1">
+                    <a:lumMod val="50000"/>
+                  </a:schemeClr>
+                </a:solidFill>
+              </a:rPr>
+              <a:t>k</a:t>
+            </a:r>
+            <a:r>
+              <a:rPr lang="en-US" sz="7200" dirty="0" smtClean="0">
+                <a:solidFill>
+                  <a:schemeClr val="accent1">
+                    <a:lumMod val="50000"/>
+                  </a:schemeClr>
+                </a:solidFill>
+              </a:rPr>
+              <a:t> </a:t>
+            </a:r>
+            <a:r>
+              <a:rPr lang="en-US" sz="7200" b="1" dirty="0" smtClean="0">
+                <a:solidFill>
+                  <a:srgbClr val="000000"/>
+                </a:solidFill>
+                <a:latin typeface="Euclid Symbol" charset="2"/>
+                <a:cs typeface="Euclid Symbol" charset="2"/>
+                <a:sym typeface="Euclid Symbol" pitchFamily="18" charset="2"/>
+              </a:rPr>
+              <a:t>∈</a:t>
+            </a:r>
+            <a:r>
+              <a:rPr lang="en-US" sz="7200" dirty="0" smtClean="0">
+                <a:solidFill>
+                  <a:schemeClr val="accent1">
+                    <a:lumMod val="50000"/>
+                  </a:schemeClr>
+                </a:solidFill>
+                <a:sym typeface="Euclid Symbol" pitchFamily="18" charset="2"/>
+              </a:rPr>
+              <a:t> 0,1,…,n-1  </a:t>
+            </a:r>
+            <a:r>
+              <a:rPr lang="en-US" sz="7200" dirty="0" err="1" smtClean="0">
+                <a:sym typeface="Euclid Symbol" pitchFamily="18" charset="2"/>
+              </a:rPr>
+              <a:t>s.t</a:t>
+            </a:r>
+            <a:r>
+              <a:rPr lang="en-US" sz="7200" dirty="0" smtClean="0">
+                <a:sym typeface="Euclid Symbol" pitchFamily="18" charset="2"/>
+              </a:rPr>
+              <a:t>.</a:t>
+            </a:r>
+          </a:p>
+          <a:p>
+            <a:pPr marL="609600" indent="-609600" eaLnBrk="1" hangingPunct="1">
+              <a:buFontTx/>
+              <a:buNone/>
+              <a:defRPr/>
+            </a:pPr>
+            <a:r>
+              <a:rPr lang="en-US" sz="7200" dirty="0" smtClean="0">
+                <a:solidFill>
+                  <a:schemeClr val="accent1">
+                    <a:lumMod val="50000"/>
+                  </a:schemeClr>
+                </a:solidFill>
+                <a:cs typeface="Courier New" pitchFamily="49" charset="0"/>
+                <a:sym typeface="Euclid Symbol" pitchFamily="18" charset="2"/>
+              </a:rPr>
+              <a:t>    k </a:t>
+            </a:r>
+            <a:r>
+              <a:rPr lang="en-US" sz="7200" dirty="0" smtClean="0">
+                <a:cs typeface="Courier New" pitchFamily="49" charset="0"/>
+                <a:sym typeface="Euclid Symbol" pitchFamily="18" charset="2"/>
+              </a:rPr>
+              <a:t>rel. prime to</a:t>
+            </a:r>
+            <a:r>
+              <a:rPr lang="en-US" sz="7200" dirty="0" smtClean="0">
+                <a:solidFill>
+                  <a:schemeClr val="accent1">
+                    <a:lumMod val="50000"/>
+                  </a:schemeClr>
+                </a:solidFill>
+                <a:cs typeface="Courier New" pitchFamily="49" charset="0"/>
+                <a:sym typeface="Euclid Symbol" pitchFamily="18" charset="2"/>
+              </a:rPr>
+              <a:t> n</a:t>
+            </a:r>
+          </a:p>
+        </p:txBody>
+      </p:sp>
+      <p:sp>
+        <p:nvSpPr>
+          <p:cNvPr id="7" name="TextBox 6"/>
+          <p:cNvSpPr txBox="1"/>
+          <p:nvPr/>
+        </p:nvSpPr>
+        <p:spPr>
+          <a:xfrm>
+            <a:off x="1981200" y="3733800"/>
+            <a:ext cx="6248400" cy="2308324"/>
+          </a:xfrm>
+          <a:prstGeom prst="rect">
+            <a:avLst/>
+          </a:prstGeom>
+          <a:solidFill>
+            <a:schemeClr val="accent1"/>
+          </a:solidFill>
+        </p:spPr>
+        <p:txBody>
+          <a:bodyPr wrap="square">
+            <a:spAutoFit/>
+          </a:bodyPr>
+          <a:lstStyle/>
+          <a:p>
+            <a:pPr>
+              <a:defRPr/>
+            </a:pPr>
+            <a:r>
+              <a:rPr lang="en-US" sz="7200" dirty="0" smtClean="0">
+                <a:latin typeface="+mj-lt"/>
+              </a:rPr>
+              <a:t>has a </a:t>
+            </a:r>
+            <a:r>
+              <a:rPr lang="en-US" sz="7200" dirty="0" smtClean="0">
+                <a:solidFill>
+                  <a:schemeClr val="accent1">
+                    <a:lumMod val="50000"/>
+                  </a:schemeClr>
+                </a:solidFill>
+                <a:latin typeface="+mj-lt"/>
+              </a:rPr>
+              <a:t>(mod n</a:t>
+            </a:r>
+            <a:r>
+              <a:rPr lang="en-US" sz="7200" dirty="0">
+                <a:solidFill>
+                  <a:schemeClr val="accent1">
+                    <a:lumMod val="50000"/>
+                  </a:schemeClr>
+                </a:solidFill>
+                <a:latin typeface="+mj-lt"/>
+              </a:rPr>
+              <a:t>)</a:t>
+            </a:r>
+            <a:endParaRPr lang="en-US" sz="7200" dirty="0" smtClean="0">
+              <a:latin typeface="+mj-lt"/>
+            </a:endParaRPr>
+          </a:p>
+          <a:p>
+            <a:pPr>
+              <a:defRPr/>
+            </a:pPr>
+            <a:r>
+              <a:rPr lang="en-US" sz="7200" dirty="0" smtClean="0">
+                <a:latin typeface="+mj-lt"/>
+              </a:rPr>
+              <a:t>inverse</a:t>
+            </a:r>
+            <a:endParaRPr lang="en-US" sz="7200" dirty="0">
+              <a:solidFill>
+                <a:schemeClr val="accent1">
+                  <a:lumMod val="50000"/>
+                </a:schemeClr>
+              </a:solidFill>
+              <a:latin typeface="+mj-lt"/>
+            </a:endParaRPr>
+          </a:p>
+        </p:txBody>
+      </p:sp>
+      <p:sp useBgFill="1">
+        <p:nvSpPr>
+          <p:cNvPr id="8" name="TextBox 7"/>
+          <p:cNvSpPr txBox="1"/>
+          <p:nvPr/>
+        </p:nvSpPr>
+        <p:spPr>
+          <a:xfrm>
+            <a:off x="3200400" y="2362200"/>
+            <a:ext cx="3810000" cy="1200329"/>
+          </a:xfrm>
+          <a:prstGeom prst="rect">
+            <a:avLst/>
+          </a:prstGeom>
+        </p:spPr>
+        <p:txBody>
+          <a:bodyPr wrap="square" rtlCol="0">
+            <a:spAutoFit/>
+          </a:bodyPr>
+          <a:lstStyle/>
+          <a:p>
+            <a:r>
+              <a:rPr lang="en-US" sz="7200" dirty="0" smtClean="0">
+                <a:solidFill>
+                  <a:srgbClr val="0000FF"/>
+                </a:solidFill>
+                <a:latin typeface="+mj-lt"/>
+              </a:rPr>
+              <a:t>  [0,n)     </a:t>
+            </a:r>
+          </a:p>
+        </p:txBody>
+      </p:sp>
+    </p:spTree>
+  </p:cSld>
+  <p:clrMapOvr>
+    <a:masterClrMapping/>
+  </p:clrMapOvr>
+  <p:transition xmlns:p14="http://schemas.microsoft.com/office/powerpoint/2010/main" spd="slow">
+    <p:fade/>
+  </p:transition>
+  <p:timing>
+    <p:tnLst>
+      <p:par>
+        <p:cTn xmlns:p14="http://schemas.microsoft.com/office/powerpoint/2010/main" id="1" dur="indefinite" restart="never" nodeType="tmRoot">
+          <p:childTnLst>
+            <p:seq concurrent="1" nextAc="seek">
+              <p:cTn id="2" dur="indefinite" nodeType="mainSeq">
+                <p:childTnLst>
+                  <p:par>
+                    <p:cTn id="3" fill="hold">
+                      <p:stCondLst>
+                        <p:cond delay="indefinite"/>
+                      </p:stCondLst>
+                      <p:childTnLst>
+                        <p:par>
+                          <p:cTn id="4" fill="hold">
+                            <p:stCondLst>
+                              <p:cond delay="0"/>
+                            </p:stCondLst>
+                            <p:childTnLst>
+                              <p:par>
+                                <p:cTn id="5" presetID="22" presetClass="entr" presetSubtype="8" fill="hold" grpId="0" nodeType="clickEffect">
+                                  <p:stCondLst>
+                                    <p:cond delay="0"/>
+                                  </p:stCondLst>
+                                  <p:childTnLst>
+                                    <p:set>
+                                      <p:cBhvr>
+                                        <p:cTn id="6" dur="1" fill="hold">
+                                          <p:stCondLst>
+                                            <p:cond delay="0"/>
+                                          </p:stCondLst>
+                                        </p:cTn>
+                                        <p:tgtEl>
+                                          <p:spTgt spid="372739">
+                                            <p:txEl>
+                                              <p:pRg st="0" end="0"/>
+                                            </p:txEl>
+                                          </p:spTgt>
+                                        </p:tgtEl>
+                                        <p:attrNameLst>
+                                          <p:attrName>style.visibility</p:attrName>
+                                        </p:attrNameLst>
+                                      </p:cBhvr>
+                                      <p:to>
+                                        <p:strVal val="visible"/>
+                                      </p:to>
+                                    </p:set>
+                                    <p:animEffect transition="in" filter="wipe(left)">
+                                      <p:cBhvr>
+                                        <p:cTn id="7" dur="500"/>
+                                        <p:tgtEl>
+                                          <p:spTgt spid="372739">
+                                            <p:txEl>
+                                              <p:pRg st="0" end="0"/>
+                                            </p:txEl>
+                                          </p:spTgt>
+                                        </p:tgtEl>
+                                      </p:cBhvr>
+                                    </p:animEffect>
+                                  </p:childTnLst>
+                                </p:cTn>
+                              </p:par>
+                            </p:childTnLst>
+                          </p:cTn>
+                        </p:par>
+                        <p:par>
+                          <p:cTn id="8" fill="hold">
+                            <p:stCondLst>
+                              <p:cond delay="500"/>
+                            </p:stCondLst>
+                            <p:childTnLst>
+                              <p:par>
+                                <p:cTn id="9" presetID="22" presetClass="entr" presetSubtype="8" fill="hold" grpId="0" nodeType="afterEffect">
+                                  <p:stCondLst>
+                                    <p:cond delay="0"/>
+                                  </p:stCondLst>
+                                  <p:childTnLst>
+                                    <p:set>
+                                      <p:cBhvr>
+                                        <p:cTn id="10" dur="1" fill="hold">
+                                          <p:stCondLst>
+                                            <p:cond delay="0"/>
+                                          </p:stCondLst>
+                                        </p:cTn>
+                                        <p:tgtEl>
+                                          <p:spTgt spid="372739">
+                                            <p:txEl>
+                                              <p:pRg st="1" end="1"/>
+                                            </p:txEl>
+                                          </p:spTgt>
+                                        </p:tgtEl>
+                                        <p:attrNameLst>
+                                          <p:attrName>style.visibility</p:attrName>
+                                        </p:attrNameLst>
+                                      </p:cBhvr>
+                                      <p:to>
+                                        <p:strVal val="visible"/>
+                                      </p:to>
+                                    </p:set>
+                                    <p:animEffect transition="in" filter="wipe(left)">
+                                      <p:cBhvr>
+                                        <p:cTn id="11" dur="500"/>
+                                        <p:tgtEl>
+                                          <p:spTgt spid="372739">
+                                            <p:txEl>
+                                              <p:pRg st="1" end="1"/>
+                                            </p:txEl>
+                                          </p:spTgt>
+                                        </p:tgtEl>
+                                      </p:cBhvr>
+                                    </p:animEffect>
+                                  </p:childTnLst>
+                                </p:cTn>
+                              </p:par>
+                            </p:childTnLst>
+                          </p:cTn>
+                        </p:par>
+                        <p:par>
+                          <p:cTn id="12" fill="hold">
+                            <p:stCondLst>
+                              <p:cond delay="1000"/>
+                            </p:stCondLst>
+                            <p:childTnLst>
+                              <p:par>
+                                <p:cTn id="13" presetID="22" presetClass="entr" presetSubtype="8" fill="hold" grpId="0" nodeType="afterEffect">
+                                  <p:stCondLst>
+                                    <p:cond delay="0"/>
+                                  </p:stCondLst>
+                                  <p:childTnLst>
+                                    <p:set>
+                                      <p:cBhvr>
+                                        <p:cTn id="14" dur="1" fill="hold">
+                                          <p:stCondLst>
+                                            <p:cond delay="0"/>
+                                          </p:stCondLst>
+                                        </p:cTn>
+                                        <p:tgtEl>
+                                          <p:spTgt spid="372739">
+                                            <p:txEl>
+                                              <p:pRg st="2" end="2"/>
+                                            </p:txEl>
+                                          </p:spTgt>
+                                        </p:tgtEl>
+                                        <p:attrNameLst>
+                                          <p:attrName>style.visibility</p:attrName>
+                                        </p:attrNameLst>
+                                      </p:cBhvr>
+                                      <p:to>
+                                        <p:strVal val="visible"/>
+                                      </p:to>
+                                    </p:set>
+                                    <p:animEffect transition="in" filter="wipe(left)">
+                                      <p:cBhvr>
+                                        <p:cTn id="15" dur="500"/>
+                                        <p:tgtEl>
+                                          <p:spTgt spid="372739">
+                                            <p:txEl>
+                                              <p:pRg st="2" end="2"/>
+                                            </p:txEl>
+                                          </p:spTgt>
+                                        </p:tgtEl>
+                                      </p:cBhvr>
+                                    </p:animEffect>
+                                  </p:childTnLst>
+                                </p:cTn>
+                              </p:par>
+                            </p:childTnLst>
+                          </p:cTn>
+                        </p:par>
+                      </p:childTnLst>
+                    </p:cTn>
+                  </p:par>
+                  <p:par>
+                    <p:cTn id="16" fill="hold">
+                      <p:stCondLst>
+                        <p:cond delay="indefinite"/>
+                      </p:stCondLst>
+                      <p:childTnLst>
+                        <p:par>
+                          <p:cTn id="17" fill="hold">
+                            <p:stCondLst>
+                              <p:cond delay="0"/>
+                            </p:stCondLst>
+                            <p:childTnLst>
+                              <p:par>
+                                <p:cTn id="18" presetID="10" presetClass="entr" presetSubtype="0" fill="hold" grpId="0" nodeType="clickEffect">
+                                  <p:stCondLst>
+                                    <p:cond delay="0"/>
+                                  </p:stCondLst>
+                                  <p:childTnLst>
+                                    <p:set>
+                                      <p:cBhvr>
+                                        <p:cTn id="19" dur="1" fill="hold">
+                                          <p:stCondLst>
+                                            <p:cond delay="0"/>
+                                          </p:stCondLst>
+                                        </p:cTn>
+                                        <p:tgtEl>
+                                          <p:spTgt spid="8"/>
+                                        </p:tgtEl>
+                                        <p:attrNameLst>
+                                          <p:attrName>style.visibility</p:attrName>
+                                        </p:attrNameLst>
+                                      </p:cBhvr>
+                                      <p:to>
+                                        <p:strVal val="visible"/>
+                                      </p:to>
+                                    </p:set>
+                                    <p:animEffect transition="in" filter="fade">
+                                      <p:cBhvr>
+                                        <p:cTn id="20" dur="1000"/>
+                                        <p:tgtEl>
+                                          <p:spTgt spid="8"/>
+                                        </p:tgtEl>
+                                      </p:cBhvr>
+                                    </p:animEffect>
+                                  </p:childTnLst>
+                                </p:cTn>
+                              </p:par>
+                            </p:childTnLst>
+                          </p:cTn>
+                        </p:par>
+                      </p:childTnLst>
+                    </p:cTn>
+                  </p:par>
+                  <p:par>
+                    <p:cTn id="21" fill="hold">
+                      <p:stCondLst>
+                        <p:cond delay="indefinite"/>
+                      </p:stCondLst>
+                      <p:childTnLst>
+                        <p:par>
+                          <p:cTn id="22" fill="hold">
+                            <p:stCondLst>
+                              <p:cond delay="0"/>
+                            </p:stCondLst>
+                            <p:childTnLst>
+                              <p:par>
+                                <p:cTn id="23" presetID="9" presetClass="entr" presetSubtype="0" fill="hold" grpId="0" nodeType="clickEffect">
+                                  <p:stCondLst>
+                                    <p:cond delay="0"/>
+                                  </p:stCondLst>
+                                  <p:childTnLst>
+                                    <p:set>
+                                      <p:cBhvr>
+                                        <p:cTn id="24" dur="1" fill="hold">
+                                          <p:stCondLst>
+                                            <p:cond delay="0"/>
+                                          </p:stCondLst>
+                                        </p:cTn>
+                                        <p:tgtEl>
+                                          <p:spTgt spid="7"/>
+                                        </p:tgtEl>
+                                        <p:attrNameLst>
+                                          <p:attrName>style.visibility</p:attrName>
+                                        </p:attrNameLst>
+                                      </p:cBhvr>
+                                      <p:to>
+                                        <p:strVal val="visible"/>
+                                      </p:to>
+                                    </p:set>
+                                    <p:animEffect transition="in" filter="dissolve">
+                                      <p:cBhvr>
+                                        <p:cTn id="25" dur="500"/>
+                                        <p:tgtEl>
+                                          <p:spTgt spid="7"/>
+                                        </p:tgtEl>
+                                      </p:cBhvr>
+                                    </p:animEffect>
+                                  </p:childTnLst>
+                                </p:cTn>
+                              </p:par>
+                            </p:childTnLst>
+                          </p:cTn>
+                        </p:par>
+                      </p:childTnLst>
+                    </p:cTn>
+                  </p:par>
+                </p:childTnLst>
+              </p:cTn>
+              <p:prevCondLst>
+                <p:cond evt="onPrev" delay="0">
+                  <p:tgtEl>
+                    <p:sldTgt/>
+                  </p:tgtEl>
+                </p:cond>
+              </p:prevCondLst>
+              <p:nextCondLst>
+                <p:cond evt="onNext" delay="0">
+                  <p:tgtEl>
+                    <p:sldTgt/>
+                  </p:tgtEl>
+                </p:cond>
+              </p:nextCondLst>
+            </p:seq>
+          </p:childTnLst>
+        </p:cTn>
+      </p:par>
+    </p:tnLst>
+    <p:bldLst>
+      <p:bldP spid="372739" grpId="0" build="p"/>
+      <p:bldP spid="7" grpId="0" animBg="1"/>
+      <p:bldP spid="8" grpId="0" animBg="1"/>
+    </p:bldLst>
+  </p:timing>
+</p:sld>
+</file>
+
+<file path=ppt/slides/slide20.xml><?xml version="1.0" encoding="utf-8"?>
 <p:sld xmlns:a="http://schemas.openxmlformats.org/drawingml/2006/main" xmlns:r="http://schemas.openxmlformats.org/officeDocument/2006/relationships" xmlns:p="http://schemas.openxmlformats.org/presentationml/2006/main">
   <p:cSld>
     <p:spTree>
@@ -11521,14 +13330,18 @@
             </a:r>
             <a:r>
               <a:rPr lang="en-US" dirty="0" smtClean="0"/>
-              <a:t> 5F.</a:t>
+              <a:t> </a:t>
+            </a:r>
+            <a:r>
+              <a:rPr lang="en-US" dirty="0" smtClean="0"/>
+              <a:t>6W.</a:t>
             </a:r>
             <a:fld id="{240449DF-F5E8-4908-A8C5-8B1F7074FE06}" type="slidenum">
               <a:rPr lang="en-US" smtClean="0"/>
               <a:pPr>
                 <a:defRPr/>
               </a:pPr>
-              <a:t>19</a:t>
+              <a:t>20</a:t>
             </a:fld>
             <a:endParaRPr lang="en-US" dirty="0" err="1" smtClean="0"/>
           </a:p>
@@ -12383,1398 +14196,6 @@
 </p:sld>
 </file>
 
-<file path=ppt/slides/slide2.xml><?xml version="1.0" encoding="utf-8"?>
-<p:sld xmlns:a="http://schemas.openxmlformats.org/drawingml/2006/main" xmlns:r="http://schemas.openxmlformats.org/officeDocument/2006/relationships" xmlns:p="http://schemas.openxmlformats.org/presentationml/2006/main">
-  <p:cSld>
-    <p:spTree>
-      <p:nvGrpSpPr>
-        <p:cNvPr id="1" name=""/>
-        <p:cNvGrpSpPr/>
-        <p:nvPr/>
-      </p:nvGrpSpPr>
-      <p:grpSpPr>
-        <a:xfrm>
-          <a:off x="0" y="0"/>
-          <a:ext cx="0" cy="0"/>
-          <a:chOff x="0" y="0"/>
-          <a:chExt cx="0" cy="0"/>
-        </a:xfrm>
-      </p:grpSpPr>
-      <p:sp>
-        <p:nvSpPr>
-          <p:cNvPr id="6" name="Slide Number Placeholder 3"/>
-          <p:cNvSpPr>
-            <a:spLocks noGrp="1"/>
-          </p:cNvSpPr>
-          <p:nvPr>
-            <p:ph type="sldNum" sz="quarter" idx="4"/>
-          </p:nvPr>
-        </p:nvSpPr>
-        <p:spPr>
-          <a:xfrm>
-            <a:off x="6477000" y="6553200"/>
-            <a:ext cx="2667000" cy="307777"/>
-          </a:xfrm>
-        </p:spPr>
-        <p:txBody>
-          <a:bodyPr/>
-          <a:lstStyle/>
-          <a:p>
-            <a:pPr>
-              <a:defRPr/>
-            </a:pPr>
-            <a:r>
-              <a:rPr lang="en-US" dirty="0" err="1" smtClean="0"/>
-              <a:t>lec</a:t>
-            </a:r>
-            <a:r>
-              <a:rPr lang="en-US" dirty="0" smtClean="0"/>
-              <a:t> 5F.</a:t>
-            </a:r>
-            <a:fld id="{3130C671-BAFA-40C0-AA12-97E3C8E99BD9}" type="slidenum">
-              <a:rPr lang="en-US" smtClean="0"/>
-              <a:pPr>
-                <a:defRPr/>
-              </a:pPr>
-              <a:t>2</a:t>
-            </a:fld>
-            <a:endParaRPr lang="en-US" dirty="0"/>
-          </a:p>
-        </p:txBody>
-      </p:sp>
-      <p:sp>
-        <p:nvSpPr>
-          <p:cNvPr id="372738" name="Rectangle 2"/>
-          <p:cNvSpPr>
-            <a:spLocks noGrp="1" noChangeArrowheads="1"/>
-          </p:cNvSpPr>
-          <p:nvPr>
-            <p:ph type="title"/>
-          </p:nvPr>
-        </p:nvSpPr>
-        <p:spPr>
-          <a:xfrm>
-            <a:off x="1676400" y="0"/>
-            <a:ext cx="5791200" cy="990600"/>
-          </a:xfrm>
-        </p:spPr>
-        <p:txBody>
-          <a:bodyPr/>
-          <a:lstStyle/>
-          <a:p>
-            <a:pPr eaLnBrk="1" hangingPunct="1">
-              <a:defRPr/>
-            </a:pPr>
-            <a:r>
-              <a:rPr lang="en-US" sz="4400" dirty="0" smtClean="0">
-                <a:solidFill>
-                  <a:schemeClr val="tx1"/>
-                </a:solidFill>
-              </a:rPr>
-              <a:t>Euler </a:t>
-            </a:r>
-            <a:r>
-              <a:rPr lang="en-US" sz="5400" dirty="0" err="1" smtClean="0">
-                <a:solidFill>
-                  <a:schemeClr val="tx1"/>
-                </a:solidFill>
-                <a:latin typeface="Euclid Symbol" charset="2"/>
-                <a:cs typeface="Euclid Symbol" charset="2"/>
-                <a:sym typeface="Euclid Symbol"/>
-              </a:rPr>
-              <a:t>φ</a:t>
-            </a:r>
-            <a:r>
-              <a:rPr lang="en-US" sz="4400" dirty="0" smtClean="0">
-                <a:solidFill>
-                  <a:schemeClr val="tx1"/>
-                </a:solidFill>
-              </a:rPr>
-              <a:t> function</a:t>
-            </a:r>
-          </a:p>
-        </p:txBody>
-      </p:sp>
-      <p:sp>
-        <p:nvSpPr>
-          <p:cNvPr id="372739" name="Rectangle 3"/>
-          <p:cNvSpPr>
-            <a:spLocks noGrp="1" noChangeArrowheads="1"/>
-          </p:cNvSpPr>
-          <p:nvPr>
-            <p:ph type="body" idx="1"/>
-          </p:nvPr>
-        </p:nvSpPr>
-        <p:spPr>
-          <a:xfrm>
-            <a:off x="152400" y="1066800"/>
-            <a:ext cx="8953500" cy="4714875"/>
-          </a:xfrm>
-        </p:spPr>
-        <p:txBody>
-          <a:bodyPr/>
-          <a:lstStyle/>
-          <a:p>
-            <a:pPr marL="609600" indent="-609600" eaLnBrk="1" hangingPunct="1">
-              <a:buFontTx/>
-              <a:buNone/>
-              <a:defRPr/>
-            </a:pPr>
-            <a:r>
-              <a:rPr lang="en-US" sz="7200" b="1" dirty="0" err="1" smtClean="0">
-                <a:solidFill>
-                  <a:schemeClr val="accent1">
-                    <a:lumMod val="50000"/>
-                  </a:schemeClr>
-                </a:solidFill>
-                <a:latin typeface="Euclid Symbol" charset="2"/>
-                <a:cs typeface="Euclid Symbol" charset="2"/>
-                <a:sym typeface="Euclid Symbol"/>
-              </a:rPr>
-              <a:t>φ</a:t>
-            </a:r>
-            <a:r>
-              <a:rPr lang="en-US" sz="7200" dirty="0" err="1" smtClean="0">
-                <a:solidFill>
-                  <a:schemeClr val="accent1">
-                    <a:lumMod val="50000"/>
-                  </a:schemeClr>
-                </a:solidFill>
-              </a:rPr>
-              <a:t>(n</a:t>
-            </a:r>
-            <a:r>
-              <a:rPr lang="en-US" sz="7200" dirty="0" smtClean="0">
-                <a:solidFill>
-                  <a:schemeClr val="accent1">
-                    <a:lumMod val="50000"/>
-                  </a:schemeClr>
-                </a:solidFill>
-              </a:rPr>
-              <a:t>) </a:t>
-            </a:r>
-            <a:r>
-              <a:rPr lang="en-US" sz="7200" dirty="0" smtClean="0"/>
-              <a:t>::=</a:t>
-            </a:r>
-          </a:p>
-          <a:p>
-            <a:pPr marL="609600" indent="-609600" eaLnBrk="1" hangingPunct="1">
-              <a:buFontTx/>
-              <a:buNone/>
-              <a:defRPr/>
-            </a:pPr>
-            <a:r>
-              <a:rPr lang="en-US" sz="7200" dirty="0" smtClean="0">
-                <a:solidFill>
-                  <a:schemeClr val="accent1">
-                    <a:lumMod val="50000"/>
-                  </a:schemeClr>
-                </a:solidFill>
-              </a:rPr>
-              <a:t> </a:t>
-            </a:r>
-            <a:r>
-              <a:rPr lang="en-US" sz="7200" dirty="0" smtClean="0"/>
-              <a:t>#</a:t>
-            </a:r>
-            <a:r>
-              <a:rPr lang="en-US" sz="7200" dirty="0" smtClean="0">
-                <a:solidFill>
-                  <a:schemeClr val="accent1">
-                    <a:lumMod val="50000"/>
-                  </a:schemeClr>
-                </a:solidFill>
-              </a:rPr>
-              <a:t> </a:t>
-            </a:r>
-            <a:r>
-              <a:rPr lang="en-US" sz="7200" dirty="0" err="1" smtClean="0">
-                <a:solidFill>
-                  <a:schemeClr val="accent1">
-                    <a:lumMod val="50000"/>
-                  </a:schemeClr>
-                </a:solidFill>
-              </a:rPr>
-              <a:t>k</a:t>
-            </a:r>
-            <a:r>
-              <a:rPr lang="en-US" sz="7200" dirty="0" smtClean="0">
-                <a:solidFill>
-                  <a:schemeClr val="accent1">
-                    <a:lumMod val="50000"/>
-                  </a:schemeClr>
-                </a:solidFill>
-              </a:rPr>
-              <a:t> </a:t>
-            </a:r>
-            <a:r>
-              <a:rPr lang="en-US" sz="7200" b="1" dirty="0" smtClean="0">
-                <a:latin typeface="Euclid Symbol" charset="2"/>
-                <a:cs typeface="Euclid Symbol" charset="2"/>
-                <a:sym typeface="Euclid Symbol" pitchFamily="18" charset="2"/>
-              </a:rPr>
-              <a:t>∈</a:t>
-            </a:r>
-            <a:r>
-              <a:rPr lang="en-US" sz="7200" dirty="0" smtClean="0">
-                <a:solidFill>
-                  <a:schemeClr val="accent1">
-                    <a:lumMod val="50000"/>
-                  </a:schemeClr>
-                </a:solidFill>
-                <a:sym typeface="Euclid Symbol" pitchFamily="18" charset="2"/>
-              </a:rPr>
-              <a:t> 0,1,…,n-1  </a:t>
-            </a:r>
-            <a:r>
-              <a:rPr lang="en-US" sz="7200" dirty="0" err="1" smtClean="0">
-                <a:sym typeface="Euclid Symbol" pitchFamily="18" charset="2"/>
-              </a:rPr>
-              <a:t>s.t</a:t>
-            </a:r>
-            <a:r>
-              <a:rPr lang="en-US" sz="7200" dirty="0" smtClean="0">
-                <a:sym typeface="Euclid Symbol" pitchFamily="18" charset="2"/>
-              </a:rPr>
-              <a:t>.</a:t>
-            </a:r>
-          </a:p>
-          <a:p>
-            <a:pPr marL="609600" indent="-609600" eaLnBrk="1" hangingPunct="1">
-              <a:buFontTx/>
-              <a:buNone/>
-              <a:defRPr/>
-            </a:pPr>
-            <a:r>
-              <a:rPr lang="en-US" sz="7200" dirty="0" smtClean="0">
-                <a:solidFill>
-                  <a:schemeClr val="accent1">
-                    <a:lumMod val="50000"/>
-                  </a:schemeClr>
-                </a:solidFill>
-                <a:cs typeface="Courier New" pitchFamily="49" charset="0"/>
-                <a:sym typeface="Euclid Symbol" pitchFamily="18" charset="2"/>
-              </a:rPr>
-              <a:t>    k </a:t>
-            </a:r>
-            <a:r>
-              <a:rPr lang="en-US" sz="7200" dirty="0" smtClean="0">
-                <a:cs typeface="Courier New" pitchFamily="49" charset="0"/>
-                <a:sym typeface="Euclid Symbol" pitchFamily="18" charset="2"/>
-              </a:rPr>
-              <a:t>rel. prime to</a:t>
-            </a:r>
-            <a:r>
-              <a:rPr lang="en-US" sz="7200" dirty="0" smtClean="0">
-                <a:solidFill>
-                  <a:schemeClr val="accent1">
-                    <a:lumMod val="50000"/>
-                  </a:schemeClr>
-                </a:solidFill>
-                <a:cs typeface="Courier New" pitchFamily="49" charset="0"/>
-                <a:sym typeface="Euclid Symbol" pitchFamily="18" charset="2"/>
-              </a:rPr>
-              <a:t> n</a:t>
-            </a:r>
-          </a:p>
-        </p:txBody>
-      </p:sp>
-      <p:sp>
-        <p:nvSpPr>
-          <p:cNvPr id="7" name="TextBox 6"/>
-          <p:cNvSpPr txBox="1"/>
-          <p:nvPr/>
-        </p:nvSpPr>
-        <p:spPr>
-          <a:xfrm>
-            <a:off x="1981200" y="3733800"/>
-            <a:ext cx="6248400" cy="2308324"/>
-          </a:xfrm>
-          <a:prstGeom prst="rect">
-            <a:avLst/>
-          </a:prstGeom>
-          <a:solidFill>
-            <a:schemeClr val="accent1"/>
-          </a:solidFill>
-        </p:spPr>
-        <p:txBody>
-          <a:bodyPr wrap="square">
-            <a:spAutoFit/>
-          </a:bodyPr>
-          <a:lstStyle/>
-          <a:p>
-            <a:pPr>
-              <a:defRPr/>
-            </a:pPr>
-            <a:r>
-              <a:rPr lang="en-US" sz="7200" dirty="0" smtClean="0">
-                <a:latin typeface="+mj-lt"/>
-              </a:rPr>
-              <a:t>has a </a:t>
-            </a:r>
-            <a:r>
-              <a:rPr lang="en-US" sz="7200" dirty="0" smtClean="0">
-                <a:solidFill>
-                  <a:schemeClr val="accent1">
-                    <a:lumMod val="50000"/>
-                  </a:schemeClr>
-                </a:solidFill>
-                <a:latin typeface="+mj-lt"/>
-              </a:rPr>
-              <a:t>(mod n</a:t>
-            </a:r>
-            <a:r>
-              <a:rPr lang="en-US" sz="7200" dirty="0">
-                <a:solidFill>
-                  <a:schemeClr val="accent1">
-                    <a:lumMod val="50000"/>
-                  </a:schemeClr>
-                </a:solidFill>
-                <a:latin typeface="+mj-lt"/>
-              </a:rPr>
-              <a:t>)</a:t>
-            </a:r>
-            <a:endParaRPr lang="en-US" sz="7200" dirty="0" smtClean="0">
-              <a:latin typeface="+mj-lt"/>
-            </a:endParaRPr>
-          </a:p>
-          <a:p>
-            <a:pPr>
-              <a:defRPr/>
-            </a:pPr>
-            <a:r>
-              <a:rPr lang="en-US" sz="7200" dirty="0" smtClean="0">
-                <a:latin typeface="+mj-lt"/>
-              </a:rPr>
-              <a:t>inverse</a:t>
-            </a:r>
-            <a:endParaRPr lang="en-US" sz="7200" dirty="0">
-              <a:solidFill>
-                <a:schemeClr val="accent1">
-                  <a:lumMod val="50000"/>
-                </a:schemeClr>
-              </a:solidFill>
-              <a:latin typeface="+mj-lt"/>
-            </a:endParaRPr>
-          </a:p>
-        </p:txBody>
-      </p:sp>
-      <p:sp useBgFill="1">
-        <p:nvSpPr>
-          <p:cNvPr id="8" name="TextBox 7"/>
-          <p:cNvSpPr txBox="1"/>
-          <p:nvPr/>
-        </p:nvSpPr>
-        <p:spPr>
-          <a:xfrm>
-            <a:off x="3276600" y="2362200"/>
-            <a:ext cx="3810000" cy="1200329"/>
-          </a:xfrm>
-          <a:prstGeom prst="rect">
-            <a:avLst/>
-          </a:prstGeom>
-        </p:spPr>
-        <p:txBody>
-          <a:bodyPr wrap="square" rtlCol="0">
-            <a:spAutoFit/>
-          </a:bodyPr>
-          <a:lstStyle/>
-          <a:p>
-            <a:r>
-              <a:rPr lang="en-US" sz="7200" dirty="0" smtClean="0">
-                <a:solidFill>
-                  <a:srgbClr val="0000FF"/>
-                </a:solidFill>
-                <a:latin typeface="+mj-lt"/>
-              </a:rPr>
-              <a:t>  [0,n)     </a:t>
-            </a:r>
-          </a:p>
-        </p:txBody>
-      </p:sp>
-    </p:spTree>
-  </p:cSld>
-  <p:clrMapOvr>
-    <a:masterClrMapping/>
-  </p:clrMapOvr>
-  <p:transition xmlns:p14="http://schemas.microsoft.com/office/powerpoint/2010/main" spd="slow">
-    <p:fade/>
-  </p:transition>
-  <p:timing>
-    <p:tnLst>
-      <p:par>
-        <p:cTn xmlns:p14="http://schemas.microsoft.com/office/powerpoint/2010/main" id="1" dur="indefinite" restart="never" nodeType="tmRoot">
-          <p:childTnLst>
-            <p:seq concurrent="1" nextAc="seek">
-              <p:cTn id="2" dur="indefinite" nodeType="mainSeq">
-                <p:childTnLst>
-                  <p:par>
-                    <p:cTn id="3" fill="hold">
-                      <p:stCondLst>
-                        <p:cond delay="indefinite"/>
-                      </p:stCondLst>
-                      <p:childTnLst>
-                        <p:par>
-                          <p:cTn id="4" fill="hold">
-                            <p:stCondLst>
-                              <p:cond delay="0"/>
-                            </p:stCondLst>
-                            <p:childTnLst>
-                              <p:par>
-                                <p:cTn id="5" presetID="22" presetClass="entr" presetSubtype="8" fill="hold" grpId="0" nodeType="clickEffect">
-                                  <p:stCondLst>
-                                    <p:cond delay="0"/>
-                                  </p:stCondLst>
-                                  <p:childTnLst>
-                                    <p:set>
-                                      <p:cBhvr>
-                                        <p:cTn id="6" dur="1" fill="hold">
-                                          <p:stCondLst>
-                                            <p:cond delay="0"/>
-                                          </p:stCondLst>
-                                        </p:cTn>
-                                        <p:tgtEl>
-                                          <p:spTgt spid="372739">
-                                            <p:txEl>
-                                              <p:pRg st="0" end="0"/>
-                                            </p:txEl>
-                                          </p:spTgt>
-                                        </p:tgtEl>
-                                        <p:attrNameLst>
-                                          <p:attrName>style.visibility</p:attrName>
-                                        </p:attrNameLst>
-                                      </p:cBhvr>
-                                      <p:to>
-                                        <p:strVal val="visible"/>
-                                      </p:to>
-                                    </p:set>
-                                    <p:animEffect transition="in" filter="wipe(left)">
-                                      <p:cBhvr>
-                                        <p:cTn id="7" dur="500"/>
-                                        <p:tgtEl>
-                                          <p:spTgt spid="372739">
-                                            <p:txEl>
-                                              <p:pRg st="0" end="0"/>
-                                            </p:txEl>
-                                          </p:spTgt>
-                                        </p:tgtEl>
-                                      </p:cBhvr>
-                                    </p:animEffect>
-                                  </p:childTnLst>
-                                </p:cTn>
-                              </p:par>
-                            </p:childTnLst>
-                          </p:cTn>
-                        </p:par>
-                        <p:par>
-                          <p:cTn id="8" fill="hold">
-                            <p:stCondLst>
-                              <p:cond delay="500"/>
-                            </p:stCondLst>
-                            <p:childTnLst>
-                              <p:par>
-                                <p:cTn id="9" presetID="22" presetClass="entr" presetSubtype="8" fill="hold" grpId="0" nodeType="afterEffect">
-                                  <p:stCondLst>
-                                    <p:cond delay="0"/>
-                                  </p:stCondLst>
-                                  <p:childTnLst>
-                                    <p:set>
-                                      <p:cBhvr>
-                                        <p:cTn id="10" dur="1" fill="hold">
-                                          <p:stCondLst>
-                                            <p:cond delay="0"/>
-                                          </p:stCondLst>
-                                        </p:cTn>
-                                        <p:tgtEl>
-                                          <p:spTgt spid="372739">
-                                            <p:txEl>
-                                              <p:pRg st="1" end="1"/>
-                                            </p:txEl>
-                                          </p:spTgt>
-                                        </p:tgtEl>
-                                        <p:attrNameLst>
-                                          <p:attrName>style.visibility</p:attrName>
-                                        </p:attrNameLst>
-                                      </p:cBhvr>
-                                      <p:to>
-                                        <p:strVal val="visible"/>
-                                      </p:to>
-                                    </p:set>
-                                    <p:animEffect transition="in" filter="wipe(left)">
-                                      <p:cBhvr>
-                                        <p:cTn id="11" dur="500"/>
-                                        <p:tgtEl>
-                                          <p:spTgt spid="372739">
-                                            <p:txEl>
-                                              <p:pRg st="1" end="1"/>
-                                            </p:txEl>
-                                          </p:spTgt>
-                                        </p:tgtEl>
-                                      </p:cBhvr>
-                                    </p:animEffect>
-                                  </p:childTnLst>
-                                </p:cTn>
-                              </p:par>
-                            </p:childTnLst>
-                          </p:cTn>
-                        </p:par>
-                        <p:par>
-                          <p:cTn id="12" fill="hold">
-                            <p:stCondLst>
-                              <p:cond delay="1000"/>
-                            </p:stCondLst>
-                            <p:childTnLst>
-                              <p:par>
-                                <p:cTn id="13" presetID="22" presetClass="entr" presetSubtype="8" fill="hold" grpId="0" nodeType="afterEffect">
-                                  <p:stCondLst>
-                                    <p:cond delay="0"/>
-                                  </p:stCondLst>
-                                  <p:childTnLst>
-                                    <p:set>
-                                      <p:cBhvr>
-                                        <p:cTn id="14" dur="1" fill="hold">
-                                          <p:stCondLst>
-                                            <p:cond delay="0"/>
-                                          </p:stCondLst>
-                                        </p:cTn>
-                                        <p:tgtEl>
-                                          <p:spTgt spid="372739">
-                                            <p:txEl>
-                                              <p:pRg st="2" end="2"/>
-                                            </p:txEl>
-                                          </p:spTgt>
-                                        </p:tgtEl>
-                                        <p:attrNameLst>
-                                          <p:attrName>style.visibility</p:attrName>
-                                        </p:attrNameLst>
-                                      </p:cBhvr>
-                                      <p:to>
-                                        <p:strVal val="visible"/>
-                                      </p:to>
-                                    </p:set>
-                                    <p:animEffect transition="in" filter="wipe(left)">
-                                      <p:cBhvr>
-                                        <p:cTn id="15" dur="500"/>
-                                        <p:tgtEl>
-                                          <p:spTgt spid="372739">
-                                            <p:txEl>
-                                              <p:pRg st="2" end="2"/>
-                                            </p:txEl>
-                                          </p:spTgt>
-                                        </p:tgtEl>
-                                      </p:cBhvr>
-                                    </p:animEffect>
-                                  </p:childTnLst>
-                                </p:cTn>
-                              </p:par>
-                            </p:childTnLst>
-                          </p:cTn>
-                        </p:par>
-                      </p:childTnLst>
-                    </p:cTn>
-                  </p:par>
-                  <p:par>
-                    <p:cTn id="16" fill="hold">
-                      <p:stCondLst>
-                        <p:cond delay="indefinite"/>
-                      </p:stCondLst>
-                      <p:childTnLst>
-                        <p:par>
-                          <p:cTn id="17" fill="hold">
-                            <p:stCondLst>
-                              <p:cond delay="0"/>
-                            </p:stCondLst>
-                            <p:childTnLst>
-                              <p:par>
-                                <p:cTn id="18" presetID="10" presetClass="entr" presetSubtype="0" fill="hold" grpId="0" nodeType="clickEffect">
-                                  <p:stCondLst>
-                                    <p:cond delay="0"/>
-                                  </p:stCondLst>
-                                  <p:childTnLst>
-                                    <p:set>
-                                      <p:cBhvr>
-                                        <p:cTn id="19" dur="1" fill="hold">
-                                          <p:stCondLst>
-                                            <p:cond delay="0"/>
-                                          </p:stCondLst>
-                                        </p:cTn>
-                                        <p:tgtEl>
-                                          <p:spTgt spid="8"/>
-                                        </p:tgtEl>
-                                        <p:attrNameLst>
-                                          <p:attrName>style.visibility</p:attrName>
-                                        </p:attrNameLst>
-                                      </p:cBhvr>
-                                      <p:to>
-                                        <p:strVal val="visible"/>
-                                      </p:to>
-                                    </p:set>
-                                    <p:animEffect transition="in" filter="fade">
-                                      <p:cBhvr>
-                                        <p:cTn id="20" dur="1000"/>
-                                        <p:tgtEl>
-                                          <p:spTgt spid="8"/>
-                                        </p:tgtEl>
-                                      </p:cBhvr>
-                                    </p:animEffect>
-                                  </p:childTnLst>
-                                </p:cTn>
-                              </p:par>
-                            </p:childTnLst>
-                          </p:cTn>
-                        </p:par>
-                      </p:childTnLst>
-                    </p:cTn>
-                  </p:par>
-                  <p:par>
-                    <p:cTn id="21" fill="hold">
-                      <p:stCondLst>
-                        <p:cond delay="indefinite"/>
-                      </p:stCondLst>
-                      <p:childTnLst>
-                        <p:par>
-                          <p:cTn id="22" fill="hold">
-                            <p:stCondLst>
-                              <p:cond delay="0"/>
-                            </p:stCondLst>
-                            <p:childTnLst>
-                              <p:par>
-                                <p:cTn id="23" presetID="9" presetClass="entr" presetSubtype="0" fill="hold" grpId="0" nodeType="clickEffect">
-                                  <p:stCondLst>
-                                    <p:cond delay="0"/>
-                                  </p:stCondLst>
-                                  <p:childTnLst>
-                                    <p:set>
-                                      <p:cBhvr>
-                                        <p:cTn id="24" dur="1" fill="hold">
-                                          <p:stCondLst>
-                                            <p:cond delay="0"/>
-                                          </p:stCondLst>
-                                        </p:cTn>
-                                        <p:tgtEl>
-                                          <p:spTgt spid="7"/>
-                                        </p:tgtEl>
-                                        <p:attrNameLst>
-                                          <p:attrName>style.visibility</p:attrName>
-                                        </p:attrNameLst>
-                                      </p:cBhvr>
-                                      <p:to>
-                                        <p:strVal val="visible"/>
-                                      </p:to>
-                                    </p:set>
-                                    <p:animEffect transition="in" filter="dissolve">
-                                      <p:cBhvr>
-                                        <p:cTn id="25" dur="500"/>
-                                        <p:tgtEl>
-                                          <p:spTgt spid="7"/>
-                                        </p:tgtEl>
-                                      </p:cBhvr>
-                                    </p:animEffect>
-                                  </p:childTnLst>
-                                </p:cTn>
-                              </p:par>
-                            </p:childTnLst>
-                          </p:cTn>
-                        </p:par>
-                      </p:childTnLst>
-                    </p:cTn>
-                  </p:par>
-                </p:childTnLst>
-              </p:cTn>
-              <p:prevCondLst>
-                <p:cond evt="onPrev" delay="0">
-                  <p:tgtEl>
-                    <p:sldTgt/>
-                  </p:tgtEl>
-                </p:cond>
-              </p:prevCondLst>
-              <p:nextCondLst>
-                <p:cond evt="onNext" delay="0">
-                  <p:tgtEl>
-                    <p:sldTgt/>
-                  </p:tgtEl>
-                </p:cond>
-              </p:nextCondLst>
-            </p:seq>
-          </p:childTnLst>
-        </p:cTn>
-      </p:par>
-    </p:tnLst>
-    <p:bldLst>
-      <p:bldP spid="372739" grpId="0" build="p"/>
-      <p:bldP spid="7" grpId="0" animBg="1"/>
-      <p:bldP spid="8" grpId="0" animBg="1"/>
-    </p:bldLst>
-  </p:timing>
-</p:sld>
-</file>
-
-<file path=ppt/slides/slide20.xml><?xml version="1.0" encoding="utf-8"?>
-<p:sld xmlns:a="http://schemas.openxmlformats.org/drawingml/2006/main" xmlns:r="http://schemas.openxmlformats.org/officeDocument/2006/relationships" xmlns:p="http://schemas.openxmlformats.org/presentationml/2006/main" show="0">
-  <p:cSld>
-    <p:spTree>
-      <p:nvGrpSpPr>
-        <p:cNvPr id="1" name=""/>
-        <p:cNvGrpSpPr/>
-        <p:nvPr/>
-      </p:nvGrpSpPr>
-      <p:grpSpPr>
-        <a:xfrm>
-          <a:off x="0" y="0"/>
-          <a:ext cx="0" cy="0"/>
-          <a:chOff x="0" y="0"/>
-          <a:chExt cx="0" cy="0"/>
-        </a:xfrm>
-      </p:grpSpPr>
-      <p:sp>
-        <p:nvSpPr>
-          <p:cNvPr id="2" name="Title 1"/>
-          <p:cNvSpPr>
-            <a:spLocks noGrp="1"/>
-          </p:cNvSpPr>
-          <p:nvPr>
-            <p:ph type="title"/>
-          </p:nvPr>
-        </p:nvSpPr>
-        <p:spPr/>
-        <p:txBody>
-          <a:bodyPr/>
-          <a:lstStyle/>
-          <a:p>
-            <a:r>
-              <a:rPr lang="en-US" sz="4000" dirty="0" smtClean="0"/>
-              <a:t>Permuting </a:t>
-            </a:r>
-            <a:r>
-              <a:rPr lang="en-US" sz="4000" dirty="0" smtClean="0">
-                <a:solidFill>
-                  <a:schemeClr val="accent1">
-                    <a:lumMod val="50000"/>
-                  </a:schemeClr>
-                </a:solidFill>
-              </a:rPr>
-              <a:t>n*</a:t>
-            </a:r>
-            <a:endParaRPr lang="en-US" sz="4000" dirty="0">
-              <a:solidFill>
-                <a:schemeClr val="accent1">
-                  <a:lumMod val="50000"/>
-                </a:schemeClr>
-              </a:solidFill>
-            </a:endParaRPr>
-          </a:p>
-        </p:txBody>
-      </p:sp>
-      <p:sp>
-        <p:nvSpPr>
-          <p:cNvPr id="4" name="Slide Number Placeholder 3"/>
-          <p:cNvSpPr>
-            <a:spLocks noGrp="1"/>
-          </p:cNvSpPr>
-          <p:nvPr>
-            <p:ph type="sldNum" sz="quarter" idx="4"/>
-          </p:nvPr>
-        </p:nvSpPr>
-        <p:spPr>
-          <a:xfrm>
-            <a:off x="6477000" y="6553200"/>
-            <a:ext cx="2667000" cy="307777"/>
-          </a:xfrm>
-        </p:spPr>
-        <p:txBody>
-          <a:bodyPr/>
-          <a:lstStyle/>
-          <a:p>
-            <a:pPr>
-              <a:defRPr/>
-            </a:pPr>
-            <a:r>
-              <a:rPr lang="en-US" dirty="0" err="1" smtClean="0"/>
-              <a:t>lec</a:t>
-            </a:r>
-            <a:r>
-              <a:rPr lang="en-US" dirty="0" smtClean="0"/>
-              <a:t> 5F.</a:t>
-            </a:r>
-            <a:fld id="{A7FF40A1-BAF9-47AD-9B94-2540ACEF918D}" type="slidenum">
-              <a:rPr lang="en-US" smtClean="0"/>
-              <a:pPr>
-                <a:defRPr/>
-              </a:pPr>
-              <a:t>20</a:t>
-            </a:fld>
-            <a:endParaRPr lang="en-US" dirty="0"/>
-          </a:p>
-        </p:txBody>
-      </p:sp>
-      <p:sp>
-        <p:nvSpPr>
-          <p:cNvPr id="5" name="Rectangle 4"/>
-          <p:cNvSpPr/>
-          <p:nvPr/>
-        </p:nvSpPr>
-        <p:spPr>
-          <a:xfrm>
-            <a:off x="152400" y="1828800"/>
-            <a:ext cx="8839200" cy="3200876"/>
-          </a:xfrm>
-          <a:prstGeom prst="rect">
-            <a:avLst/>
-          </a:prstGeom>
-        </p:spPr>
-        <p:txBody>
-          <a:bodyPr wrap="square">
-            <a:spAutoFit/>
-          </a:bodyPr>
-          <a:lstStyle/>
-          <a:p>
-            <a:pPr lvl="0">
-              <a:defRPr/>
-            </a:pPr>
-            <a:r>
-              <a:rPr lang="en-US" sz="4000" dirty="0" smtClean="0">
-                <a:solidFill>
-                  <a:srgbClr val="000000"/>
-                </a:solidFill>
-                <a:latin typeface="Comic Sans MS"/>
-              </a:rPr>
-              <a:t>Lemma:</a:t>
-            </a:r>
-          </a:p>
-          <a:p>
-            <a:pPr lvl="0">
-              <a:defRPr/>
-            </a:pPr>
-            <a:r>
-              <a:rPr lang="en-US" sz="4800" dirty="0" smtClean="0">
-                <a:solidFill>
-                  <a:srgbClr val="000000"/>
-                </a:solidFill>
-                <a:latin typeface="Comic Sans MS"/>
-              </a:rPr>
-              <a:t> </a:t>
-            </a:r>
-            <a:r>
-              <a:rPr lang="en-US" sz="5400" dirty="0" smtClean="0">
-                <a:solidFill>
-                  <a:srgbClr val="000000"/>
-                </a:solidFill>
-                <a:latin typeface="Comic Sans MS"/>
-              </a:rPr>
-              <a:t>For </a:t>
-            </a:r>
-            <a:r>
-              <a:rPr lang="en-US" sz="5400" dirty="0" err="1" smtClean="0">
-                <a:solidFill>
-                  <a:srgbClr val="CCCCFF">
-                    <a:lumMod val="50000"/>
-                  </a:srgbClr>
-                </a:solidFill>
-                <a:latin typeface="Comic Sans MS"/>
-              </a:rPr>
-              <a:t>k</a:t>
-            </a:r>
-            <a:r>
-              <a:rPr lang="en-US" sz="5400" b="1" dirty="0" err="1" smtClean="0">
-                <a:solidFill>
-                  <a:schemeClr val="accent1">
-                    <a:lumMod val="50000"/>
-                  </a:schemeClr>
-                </a:solidFill>
-                <a:latin typeface="Euclid Symbol" charset="2"/>
-                <a:cs typeface="Euclid Symbol" charset="2"/>
-                <a:sym typeface="Euclid Symbol" pitchFamily="18" charset="2"/>
-              </a:rPr>
-              <a:t>∈</a:t>
-            </a:r>
-            <a:r>
-              <a:rPr lang="en-US" sz="5400" dirty="0" err="1" smtClean="0">
-                <a:solidFill>
-                  <a:srgbClr val="CCCCFF">
-                    <a:lumMod val="50000"/>
-                  </a:srgbClr>
-                </a:solidFill>
-                <a:latin typeface="Comic Sans MS"/>
-              </a:rPr>
-              <a:t>n</a:t>
-            </a:r>
-            <a:r>
-              <a:rPr lang="en-US" sz="5400" dirty="0" smtClean="0">
-                <a:solidFill>
-                  <a:srgbClr val="CCCCFF">
-                    <a:lumMod val="50000"/>
-                  </a:srgbClr>
-                </a:solidFill>
-                <a:latin typeface="Comic Sans MS"/>
-              </a:rPr>
-              <a:t>*</a:t>
-            </a:r>
-            <a:r>
-              <a:rPr lang="en-US" sz="5400" dirty="0" smtClean="0">
-                <a:solidFill>
-                  <a:srgbClr val="000000"/>
-                </a:solidFill>
-                <a:latin typeface="Comic Sans MS"/>
-              </a:rPr>
-              <a:t>,</a:t>
-            </a:r>
-            <a:r>
-              <a:rPr lang="en-US" sz="5400" dirty="0" smtClean="0">
-                <a:latin typeface="Comic Sans MS"/>
-              </a:rPr>
-              <a:t> the mapping</a:t>
-            </a:r>
-          </a:p>
-          <a:p>
-            <a:pPr lvl="0" algn="ctr">
-              <a:defRPr/>
-            </a:pPr>
-            <a:r>
-              <a:rPr lang="en-US" sz="5400" dirty="0" smtClean="0">
-                <a:latin typeface="Comic Sans MS"/>
-              </a:rPr>
-              <a:t>     </a:t>
-            </a:r>
-            <a:r>
-              <a:rPr lang="en-US" sz="5400" dirty="0" err="1" smtClean="0">
-                <a:solidFill>
-                  <a:schemeClr val="accent1">
-                    <a:lumMod val="50000"/>
-                  </a:schemeClr>
-                </a:solidFill>
-                <a:latin typeface="Comic Sans MS"/>
-              </a:rPr>
-              <a:t>m</a:t>
-            </a:r>
-            <a:r>
-              <a:rPr lang="en-US" sz="5400" dirty="0" smtClean="0">
-                <a:solidFill>
-                  <a:srgbClr val="CCCCFF">
-                    <a:lumMod val="50000"/>
-                  </a:srgbClr>
-                </a:solidFill>
-                <a:latin typeface="Comic Sans MS"/>
-              </a:rPr>
-              <a:t>  </a:t>
-            </a:r>
-            <a:r>
-              <a:rPr lang="en-US" sz="5400" b="1" dirty="0" smtClean="0">
-                <a:solidFill>
-                  <a:srgbClr val="CCCCFF">
-                    <a:lumMod val="50000"/>
-                  </a:srgbClr>
-                </a:solidFill>
-                <a:latin typeface="Euclid Symbol" charset="2"/>
-                <a:cs typeface="Euclid Symbol" charset="2"/>
-                <a:sym typeface="Euclid Symbol"/>
-              </a:rPr>
-              <a:t>→</a:t>
-            </a:r>
-            <a:r>
-              <a:rPr lang="en-US" sz="5400" b="1" dirty="0" smtClean="0">
-                <a:solidFill>
-                  <a:srgbClr val="CCCCFF">
-                    <a:lumMod val="50000"/>
-                  </a:srgbClr>
-                </a:solidFill>
-                <a:latin typeface="Comic Sans MS"/>
-                <a:sym typeface="Euclid Symbol"/>
-              </a:rPr>
-              <a:t>  </a:t>
-            </a:r>
-            <a:r>
-              <a:rPr lang="en-US" sz="5400" dirty="0" err="1" smtClean="0">
-                <a:solidFill>
-                  <a:srgbClr val="CCCCFF">
-                    <a:lumMod val="50000"/>
-                  </a:srgbClr>
-                </a:solidFill>
-                <a:latin typeface="Comic Sans MS"/>
-                <a:sym typeface="Euclid Symbol"/>
-              </a:rPr>
-              <a:t>rem(km</a:t>
-            </a:r>
-            <a:r>
-              <a:rPr lang="en-US" sz="5400" dirty="0" smtClean="0">
-                <a:solidFill>
-                  <a:srgbClr val="CCCCFF">
-                    <a:lumMod val="50000"/>
-                  </a:srgbClr>
-                </a:solidFill>
-                <a:latin typeface="Comic Sans MS"/>
-                <a:sym typeface="Euclid Symbol"/>
-              </a:rPr>
-              <a:t>, n)</a:t>
-            </a:r>
-          </a:p>
-          <a:p>
-            <a:pPr lvl="0">
-              <a:defRPr/>
-            </a:pPr>
-            <a:r>
-              <a:rPr lang="en-US" sz="5400" dirty="0" smtClean="0">
-                <a:latin typeface="Comic Sans MS"/>
-                <a:sym typeface="Euclid Symbol"/>
-              </a:rPr>
-              <a:t>is a </a:t>
-            </a:r>
-            <a:r>
-              <a:rPr lang="en-US" sz="5400" dirty="0" err="1" smtClean="0">
-                <a:latin typeface="Comic Sans MS"/>
-                <a:sym typeface="Euclid Symbol"/>
-              </a:rPr>
-              <a:t>bijection</a:t>
-            </a:r>
-            <a:r>
-              <a:rPr lang="en-US" sz="5400" dirty="0" smtClean="0">
-                <a:latin typeface="Comic Sans MS"/>
-                <a:sym typeface="Euclid Symbol"/>
-              </a:rPr>
-              <a:t> from </a:t>
-            </a:r>
-            <a:r>
-              <a:rPr lang="en-US" sz="5400" dirty="0" smtClean="0">
-                <a:solidFill>
-                  <a:schemeClr val="accent1">
-                    <a:lumMod val="50000"/>
-                  </a:schemeClr>
-                </a:solidFill>
-                <a:latin typeface="Comic Sans MS"/>
-                <a:sym typeface="Euclid Symbol"/>
-              </a:rPr>
-              <a:t>n*</a:t>
-            </a:r>
-            <a:r>
-              <a:rPr lang="en-US" sz="5400" dirty="0" smtClean="0">
-                <a:latin typeface="Comic Sans MS"/>
-                <a:sym typeface="Euclid Symbol"/>
-              </a:rPr>
-              <a:t> to </a:t>
-            </a:r>
-            <a:r>
-              <a:rPr lang="en-US" sz="5400" dirty="0" smtClean="0">
-                <a:solidFill>
-                  <a:schemeClr val="accent1">
-                    <a:lumMod val="50000"/>
-                  </a:schemeClr>
-                </a:solidFill>
-                <a:latin typeface="Comic Sans MS"/>
-                <a:sym typeface="Euclid Symbol"/>
-              </a:rPr>
-              <a:t>n*</a:t>
-            </a:r>
-            <a:endParaRPr lang="en-US" sz="5400" dirty="0" smtClean="0">
-              <a:solidFill>
-                <a:schemeClr val="accent1">
-                  <a:lumMod val="50000"/>
-                </a:schemeClr>
-              </a:solidFill>
-              <a:latin typeface="Comic Sans MS"/>
-            </a:endParaRPr>
-          </a:p>
-        </p:txBody>
-      </p:sp>
-      <p:sp>
-        <p:nvSpPr>
-          <p:cNvPr id="6" name="Slide Number Placeholder 3"/>
-          <p:cNvSpPr txBox="1">
-            <a:spLocks/>
-          </p:cNvSpPr>
-          <p:nvPr/>
-        </p:nvSpPr>
-        <p:spPr bwMode="auto">
-          <a:xfrm>
-            <a:off x="6477000" y="6553200"/>
-            <a:ext cx="2667000" cy="307777"/>
-          </a:xfrm>
-          <a:prstGeom prst="rect">
-            <a:avLst/>
-          </a:prstGeom>
-          <a:noFill/>
-          <a:ln w="9525">
-            <a:noFill/>
-            <a:miter lim="800000"/>
-            <a:headEnd/>
-            <a:tailEnd/>
-          </a:ln>
-          <a:effectLst/>
-        </p:spPr>
-        <p:txBody>
-          <a:bodyPr vert="horz" wrap="square" lIns="91440" tIns="45720" rIns="91440" bIns="45720" numCol="1" anchor="t" anchorCtr="0" compatLnSpc="1">
-            <a:prstTxWarp prst="textNoShape">
-              <a:avLst/>
-            </a:prstTxWarp>
-            <a:spAutoFit/>
-          </a:bodyPr>
-          <a:lstStyle/>
-          <a:p>
-            <a:pPr marL="0" marR="0" lvl="0" indent="0" algn="r" defTabSz="914400" rtl="0" eaLnBrk="0" fontAlgn="base" latinLnBrk="0" hangingPunct="0">
-              <a:lnSpc>
-                <a:spcPct val="100000"/>
-              </a:lnSpc>
-              <a:spcBef>
-                <a:spcPct val="0"/>
-              </a:spcBef>
-              <a:spcAft>
-                <a:spcPct val="0"/>
-              </a:spcAft>
-              <a:buClrTx/>
-              <a:buSzTx/>
-              <a:buFontTx/>
-              <a:buNone/>
-              <a:tabLst/>
-              <a:defRPr/>
-            </a:pPr>
-            <a:r>
-              <a:rPr kumimoji="0" lang="en-US" sz="1400" b="0" i="0" u="none" strike="noStrike" kern="1200" cap="none" spc="0" normalizeH="0" baseline="0" noProof="0" dirty="0" err="1" smtClean="0">
-                <a:ln>
-                  <a:noFill/>
-                </a:ln>
-                <a:solidFill>
-                  <a:schemeClr val="tx1"/>
-                </a:solidFill>
-                <a:effectLst/>
-                <a:uLnTx/>
-                <a:uFillTx/>
-                <a:latin typeface="+mn-lt"/>
-                <a:ea typeface="+mn-ea"/>
-                <a:cs typeface="+mn-cs"/>
-              </a:rPr>
-              <a:t>lec</a:t>
-            </a:r>
-            <a:r>
-              <a:rPr kumimoji="0" lang="en-US" sz="1400" b="0" i="0" u="none" strike="noStrike" kern="1200" cap="none" spc="0" normalizeH="0" baseline="0" noProof="0" dirty="0" smtClean="0">
-                <a:ln>
-                  <a:noFill/>
-                </a:ln>
-                <a:solidFill>
-                  <a:schemeClr val="tx1"/>
-                </a:solidFill>
-                <a:effectLst/>
-                <a:uLnTx/>
-                <a:uFillTx/>
-                <a:latin typeface="+mn-lt"/>
-                <a:ea typeface="+mn-ea"/>
-                <a:cs typeface="+mn-cs"/>
-              </a:rPr>
-              <a:t> 5F.</a:t>
-            </a:r>
-            <a:fld id="{240449DF-F5E8-4908-A8C5-8B1F7074FE06}" type="slidenum">
-              <a:rPr kumimoji="0" lang="en-US" sz="1400" b="0" i="0" u="none" strike="noStrike" kern="1200" cap="none" spc="0" normalizeH="0" baseline="0" noProof="0" smtClean="0">
-                <a:ln>
-                  <a:noFill/>
-                </a:ln>
-                <a:solidFill>
-                  <a:schemeClr val="tx1"/>
-                </a:solidFill>
-                <a:effectLst/>
-                <a:uLnTx/>
-                <a:uFillTx/>
-                <a:latin typeface="+mn-lt"/>
-                <a:ea typeface="+mn-ea"/>
-                <a:cs typeface="+mn-cs"/>
-              </a:rPr>
-              <a:pPr marL="0" marR="0" lvl="0" indent="0" algn="r" defTabSz="914400" rtl="0" eaLnBrk="0" fontAlgn="base" latinLnBrk="0" hangingPunct="0">
-                <a:lnSpc>
-                  <a:spcPct val="100000"/>
-                </a:lnSpc>
-                <a:spcBef>
-                  <a:spcPct val="0"/>
-                </a:spcBef>
-                <a:spcAft>
-                  <a:spcPct val="0"/>
-                </a:spcAft>
-                <a:buClrTx/>
-                <a:buSzTx/>
-                <a:buFontTx/>
-                <a:buNone/>
-                <a:tabLst/>
-                <a:defRPr/>
-              </a:pPr>
-              <a:t>20</a:t>
-            </a:fld>
-            <a:endParaRPr kumimoji="0" lang="en-US" sz="1400" b="0" i="0" u="none" strike="noStrike" kern="1200" cap="none" spc="0" normalizeH="0" baseline="0" noProof="0" dirty="0" err="1" smtClean="0">
-              <a:ln>
-                <a:noFill/>
-              </a:ln>
-              <a:solidFill>
-                <a:schemeClr val="tx1"/>
-              </a:solidFill>
-              <a:effectLst/>
-              <a:uLnTx/>
-              <a:uFillTx/>
-              <a:latin typeface="+mn-lt"/>
-              <a:ea typeface="+mn-ea"/>
-              <a:cs typeface="+mn-cs"/>
-            </a:endParaRPr>
-          </a:p>
-        </p:txBody>
-      </p:sp>
-    </p:spTree>
-  </p:cSld>
-  <p:clrMapOvr>
-    <a:masterClrMapping/>
-  </p:clrMapOvr>
-  <p:transition xmlns:p14="http://schemas.microsoft.com/office/powerpoint/2010/main"/>
-  <p:timing>
-    <p:tnLst>
-      <p:par>
-        <p:cTn xmlns:p14="http://schemas.microsoft.com/office/powerpoint/2010/main" id="1" dur="indefinite" restart="never" nodeType="tmRoot">
-          <p:childTnLst>
-            <p:seq concurrent="1" nextAc="seek">
-              <p:cTn id="2" dur="indefinite" nodeType="mainSeq">
-                <p:childTnLst>
-                  <p:par>
-                    <p:cTn id="3" fill="hold">
-                      <p:stCondLst>
-                        <p:cond delay="indefinite"/>
-                        <p:cond evt="onBegin" delay="0">
-                          <p:tn val="2"/>
-                        </p:cond>
-                      </p:stCondLst>
-                      <p:childTnLst>
-                        <p:par>
-                          <p:cTn id="4" fill="hold">
-                            <p:stCondLst>
-                              <p:cond delay="0"/>
-                            </p:stCondLst>
-                            <p:childTnLst>
-                              <p:par>
-                                <p:cTn id="5" presetID="22" presetClass="entr" presetSubtype="8" fill="hold" nodeType="afterEffect">
-                                  <p:stCondLst>
-                                    <p:cond delay="0"/>
-                                  </p:stCondLst>
-                                  <p:childTnLst>
-                                    <p:set>
-                                      <p:cBhvr>
-                                        <p:cTn id="6" dur="1" fill="hold">
-                                          <p:stCondLst>
-                                            <p:cond delay="0"/>
-                                          </p:stCondLst>
-                                        </p:cTn>
-                                        <p:tgtEl>
-                                          <p:spTgt spid="5">
-                                            <p:txEl>
-                                              <p:pRg st="2" end="2"/>
-                                            </p:txEl>
-                                          </p:spTgt>
-                                        </p:tgtEl>
-                                        <p:attrNameLst>
-                                          <p:attrName>style.visibility</p:attrName>
-                                        </p:attrNameLst>
-                                      </p:cBhvr>
-                                      <p:to>
-                                        <p:strVal val="visible"/>
-                                      </p:to>
-                                    </p:set>
-                                    <p:animEffect transition="in" filter="wipe(left)">
-                                      <p:cBhvr>
-                                        <p:cTn id="7" dur="500"/>
-                                        <p:tgtEl>
-                                          <p:spTgt spid="5">
-                                            <p:txEl>
-                                              <p:pRg st="2" end="2"/>
-                                            </p:txEl>
-                                          </p:spTgt>
-                                        </p:tgtEl>
-                                      </p:cBhvr>
-                                    </p:animEffect>
-                                  </p:childTnLst>
-                                </p:cTn>
-                              </p:par>
-                            </p:childTnLst>
-                          </p:cTn>
-                        </p:par>
-                      </p:childTnLst>
-                    </p:cTn>
-                  </p:par>
-                  <p:par>
-                    <p:cTn id="8" fill="hold">
-                      <p:stCondLst>
-                        <p:cond delay="indefinite"/>
-                      </p:stCondLst>
-                      <p:childTnLst>
-                        <p:par>
-                          <p:cTn id="9" fill="hold">
-                            <p:stCondLst>
-                              <p:cond delay="0"/>
-                            </p:stCondLst>
-                            <p:childTnLst>
-                              <p:par>
-                                <p:cTn id="10" presetID="9" presetClass="entr" presetSubtype="0" fill="hold" nodeType="clickEffect">
-                                  <p:stCondLst>
-                                    <p:cond delay="0"/>
-                                  </p:stCondLst>
-                                  <p:childTnLst>
-                                    <p:set>
-                                      <p:cBhvr>
-                                        <p:cTn id="11" dur="1" fill="hold">
-                                          <p:stCondLst>
-                                            <p:cond delay="0"/>
-                                          </p:stCondLst>
-                                        </p:cTn>
-                                        <p:tgtEl>
-                                          <p:spTgt spid="5">
-                                            <p:txEl>
-                                              <p:pRg st="3" end="3"/>
-                                            </p:txEl>
-                                          </p:spTgt>
-                                        </p:tgtEl>
-                                        <p:attrNameLst>
-                                          <p:attrName>style.visibility</p:attrName>
-                                        </p:attrNameLst>
-                                      </p:cBhvr>
-                                      <p:to>
-                                        <p:strVal val="visible"/>
-                                      </p:to>
-                                    </p:set>
-                                    <p:animEffect transition="in" filter="dissolve">
-                                      <p:cBhvr>
-                                        <p:cTn id="12" dur="500"/>
-                                        <p:tgtEl>
-                                          <p:spTgt spid="5">
-                                            <p:txEl>
-                                              <p:pRg st="3" end="3"/>
-                                            </p:txEl>
-                                          </p:spTgt>
-                                        </p:tgtEl>
-                                      </p:cBhvr>
-                                    </p:animEffect>
-                                  </p:childTnLst>
-                                </p:cTn>
-                              </p:par>
-                            </p:childTnLst>
-                          </p:cTn>
-                        </p:par>
-                      </p:childTnLst>
-                    </p:cTn>
-                  </p:par>
-                </p:childTnLst>
-              </p:cTn>
-              <p:prevCondLst>
-                <p:cond evt="onPrev" delay="0">
-                  <p:tgtEl>
-                    <p:sldTgt/>
-                  </p:tgtEl>
-                </p:cond>
-              </p:prevCondLst>
-              <p:nextCondLst>
-                <p:cond evt="onNext" delay="0">
-                  <p:tgtEl>
-                    <p:sldTgt/>
-                  </p:tgtEl>
-                </p:cond>
-              </p:nextCondLst>
-            </p:seq>
-          </p:childTnLst>
-        </p:cTn>
-      </p:par>
-    </p:tnLst>
-  </p:timing>
-</p:sld>
-</file>
-
 <file path=ppt/slides/slide21.xml><?xml version="1.0" encoding="utf-8"?>
 <p:sld xmlns:a="http://schemas.openxmlformats.org/drawingml/2006/main" xmlns:r="http://schemas.openxmlformats.org/officeDocument/2006/relationships" xmlns:p="http://schemas.openxmlformats.org/presentationml/2006/main">
   <p:cSld>
@@ -14404,7 +14825,11 @@
             </a:r>
             <a:r>
               <a:rPr lang="en-US" dirty="0" smtClean="0"/>
-              <a:t> 5F.</a:t>
+              <a:t> </a:t>
+            </a:r>
+            <a:r>
+              <a:rPr lang="en-US" dirty="0" smtClean="0"/>
+              <a:t>6W.</a:t>
             </a:r>
             <a:fld id="{93347EBB-FBA4-4869-8D0A-161607B6A013}" type="slidenum">
               <a:rPr lang="en-US" smtClean="0"/>
@@ -14675,7 +15100,7 @@
                             </p:stCondLst>
                             <p:childTnLst>
                               <p:par>
-                                <p:cTn id="5" presetID="22" presetClass="entr" presetSubtype="8" fill="hold" grpId="0" nodeType="clickEffect">
+                                <p:cTn id="5" presetID="9" presetClass="entr" presetSubtype="0" fill="hold" nodeType="clickEffect">
                                   <p:stCondLst>
                                     <p:cond delay="0"/>
                                   </p:stCondLst>
@@ -14683,59 +15108,6 @@
                                     <p:set>
                                       <p:cBhvr>
                                         <p:cTn id="6" dur="1" fill="hold">
-                                          <p:stCondLst>
-                                            <p:cond delay="0"/>
-                                          </p:stCondLst>
-                                        </p:cTn>
-                                        <p:tgtEl>
-                                          <p:spTgt spid="6"/>
-                                        </p:tgtEl>
-                                        <p:attrNameLst>
-                                          <p:attrName>style.visibility</p:attrName>
-                                        </p:attrNameLst>
-                                      </p:cBhvr>
-                                      <p:to>
-                                        <p:strVal val="visible"/>
-                                      </p:to>
-                                    </p:set>
-                                    <p:animEffect transition="in" filter="wipe(left)">
-                                      <p:cBhvr>
-                                        <p:cTn id="7" dur="500"/>
-                                        <p:tgtEl>
-                                          <p:spTgt spid="6"/>
-                                        </p:tgtEl>
-                                      </p:cBhvr>
-                                    </p:animEffect>
-                                  </p:childTnLst>
-                                </p:cTn>
-                              </p:par>
-                            </p:childTnLst>
-                          </p:cTn>
-                        </p:par>
-                      </p:childTnLst>
-                    </p:cTn>
-                  </p:par>
-                  <p:par>
-                    <p:cTn id="8" fill="hold">
-                      <p:stCondLst>
-                        <p:cond delay="indefinite"/>
-                      </p:stCondLst>
-                      <p:childTnLst>
-                        <p:par>
-                          <p:cTn id="9" fill="hold">
-                            <p:stCondLst>
-                              <p:cond delay="0"/>
-                            </p:stCondLst>
-                            <p:childTnLst>
-                              <p:par>
-                                <p:cTn id="10" presetID="9" presetClass="entr" presetSubtype="0" fill="hold" nodeType="clickEffect">
-                                  <p:stCondLst>
-                                    <p:cond delay="0"/>
-                                  </p:stCondLst>
-                                  <p:childTnLst>
-                                    <p:set>
-                                      <p:cBhvr>
-                                        <p:cTn id="11" dur="1" fill="hold">
                                           <p:stCondLst>
                                             <p:cond delay="0"/>
                                           </p:stCondLst>
@@ -14757,7 +15129,7 @@
                                     </p:set>
                                     <p:animEffect transition="in" filter="dissolve">
                                       <p:cBhvr>
-                                        <p:cTn id="12" dur="500"/>
+                                        <p:cTn id="7" dur="500"/>
                                         <p:tgtEl>
                                           <p:spTgt spid="407557">
                                             <p:txEl>
@@ -14774,20 +15146,64 @@
                           </p:cTn>
                         </p:par>
                         <p:par>
-                          <p:cTn id="13" fill="hold">
+                          <p:cTn id="8" fill="hold">
                             <p:stCondLst>
                               <p:cond delay="500"/>
                             </p:stCondLst>
                             <p:childTnLst>
                               <p:par>
-                                <p:cTn id="14" presetID="22" presetClass="entr" presetSubtype="8" fill="hold" nodeType="afterEffect">
+                                <p:cTn id="9" presetID="22" presetClass="entr" presetSubtype="8" fill="hold" grpId="0" nodeType="afterEffect">
                                   <p:stCondLst>
                                     <p:cond delay="0"/>
                                   </p:stCondLst>
                                   <p:childTnLst>
                                     <p:set>
                                       <p:cBhvr>
-                                        <p:cTn id="15" dur="1" fill="hold">
+                                        <p:cTn id="10" dur="1" fill="hold">
+                                          <p:stCondLst>
+                                            <p:cond delay="0"/>
+                                          </p:stCondLst>
+                                        </p:cTn>
+                                        <p:tgtEl>
+                                          <p:spTgt spid="6"/>
+                                        </p:tgtEl>
+                                        <p:attrNameLst>
+                                          <p:attrName>style.visibility</p:attrName>
+                                        </p:attrNameLst>
+                                      </p:cBhvr>
+                                      <p:to>
+                                        <p:strVal val="visible"/>
+                                      </p:to>
+                                    </p:set>
+                                    <p:animEffect transition="in" filter="wipe(left)">
+                                      <p:cBhvr>
+                                        <p:cTn id="11" dur="500"/>
+                                        <p:tgtEl>
+                                          <p:spTgt spid="6"/>
+                                        </p:tgtEl>
+                                      </p:cBhvr>
+                                    </p:animEffect>
+                                  </p:childTnLst>
+                                </p:cTn>
+                              </p:par>
+                            </p:childTnLst>
+                          </p:cTn>
+                        </p:par>
+                        <p:par>
+                          <p:cTn id="12" fill="hold">
+                            <p:stCondLst>
+                              <p:cond delay="1000"/>
+                            </p:stCondLst>
+                            <p:childTnLst>
+                              <p:par>
+                                <p:cTn id="13" presetID="22" presetClass="entr" presetSubtype="8" fill="hold" nodeType="afterEffect">
+                                  <p:stCondLst>
+                                    <p:cond delay="0"/>
+                                  </p:stCondLst>
+                                  <p:childTnLst>
+                                    <p:set>
+                                      <p:cBhvr>
+                                        <p:cTn id="14" dur="1" fill="hold">
                                           <p:stCondLst>
                                             <p:cond delay="0"/>
                                           </p:stCondLst>
@@ -14809,7 +15225,7 @@
                                     </p:set>
                                     <p:animEffect transition="in" filter="wipe(left)">
                                       <p:cBhvr>
-                                        <p:cTn id="16" dur="500"/>
+                                        <p:cTn id="15" dur="500"/>
                                         <p:tgtEl>
                                           <p:spTgt spid="407557">
                                             <p:txEl>
@@ -14829,26 +15245,26 @@
                     </p:cTn>
                   </p:par>
                   <p:par>
-                    <p:cTn id="17" fill="hold">
+                    <p:cTn id="16" fill="hold">
                       <p:stCondLst>
                         <p:cond delay="indefinite"/>
                       </p:stCondLst>
                       <p:childTnLst>
                         <p:par>
-                          <p:cTn id="18" fill="hold">
+                          <p:cTn id="17" fill="hold">
                             <p:stCondLst>
                               <p:cond delay="0"/>
                             </p:stCondLst>
                             <p:childTnLst>
                               <p:par>
-                                <p:cTn id="19" presetID="9" presetClass="entr" presetSubtype="0" fill="hold" nodeType="clickEffect">
+                                <p:cTn id="18" presetID="9" presetClass="entr" presetSubtype="0" fill="hold" nodeType="clickEffect">
                                   <p:stCondLst>
                                     <p:cond delay="0"/>
                                   </p:stCondLst>
                                   <p:childTnLst>
                                     <p:set>
                                       <p:cBhvr>
-                                        <p:cTn id="20" dur="1" fill="hold">
+                                        <p:cTn id="19" dur="1" fill="hold">
                                           <p:stCondLst>
                                             <p:cond delay="0"/>
                                           </p:stCondLst>
@@ -14870,7 +15286,7 @@
                                     </p:set>
                                     <p:animEffect transition="in" filter="dissolve">
                                       <p:cBhvr>
-                                        <p:cTn id="21" dur="500"/>
+                                        <p:cTn id="20" dur="500"/>
                                         <p:tgtEl>
                                           <p:spTgt spid="407557">
                                             <p:txEl>
@@ -14887,20 +15303,20 @@
                           </p:cTn>
                         </p:par>
                         <p:par>
-                          <p:cTn id="22" fill="hold">
+                          <p:cTn id="21" fill="hold">
                             <p:stCondLst>
                               <p:cond delay="500"/>
                             </p:stCondLst>
                             <p:childTnLst>
                               <p:par>
-                                <p:cTn id="23" presetID="9" presetClass="entr" presetSubtype="0" fill="hold" nodeType="afterEffect">
+                                <p:cTn id="22" presetID="9" presetClass="entr" presetSubtype="0" fill="hold" nodeType="afterEffect">
                                   <p:stCondLst>
                                     <p:cond delay="0"/>
                                   </p:stCondLst>
                                   <p:childTnLst>
                                     <p:set>
                                       <p:cBhvr>
-                                        <p:cTn id="24" dur="1" fill="hold">
+                                        <p:cTn id="23" dur="1" fill="hold">
                                           <p:stCondLst>
                                             <p:cond delay="0"/>
                                           </p:stCondLst>
@@ -14922,7 +15338,7 @@
                                     </p:set>
                                     <p:animEffect transition="in" filter="dissolve">
                                       <p:cBhvr>
-                                        <p:cTn id="25" dur="500"/>
+                                        <p:cTn id="24" dur="500"/>
                                         <p:tgtEl>
                                           <p:spTgt spid="407557">
                                             <p:txEl>
@@ -15456,7 +15872,11 @@
             </a:r>
             <a:r>
               <a:rPr lang="en-US" dirty="0" smtClean="0"/>
-              <a:t> 5F.</a:t>
+              <a:t> </a:t>
+            </a:r>
+            <a:r>
+              <a:rPr lang="en-US" dirty="0" smtClean="0"/>
+              <a:t>6W.</a:t>
             </a:r>
             <a:fld id="{93347EBB-FBA4-4869-8D0A-161607B6A013}" type="slidenum">
               <a:rPr lang="en-US" smtClean="0"/>
@@ -16230,7 +16650,11 @@
             </a:r>
             <a:r>
               <a:rPr lang="en-US" dirty="0" smtClean="0"/>
-              <a:t> 5F.</a:t>
+              <a:t> </a:t>
+            </a:r>
+            <a:r>
+              <a:rPr lang="en-US" dirty="0" smtClean="0"/>
+              <a:t>6W.</a:t>
             </a:r>
             <a:fld id="{93347EBB-FBA4-4869-8D0A-161607B6A013}" type="slidenum">
               <a:rPr lang="en-US" smtClean="0"/>
@@ -16516,7 +16940,11 @@
             </a:r>
             <a:r>
               <a:rPr lang="en-US" dirty="0" smtClean="0"/>
-              <a:t> 5F.</a:t>
+              <a:t> </a:t>
+            </a:r>
+            <a:r>
+              <a:rPr lang="en-US" dirty="0" smtClean="0"/>
+              <a:t>6W.</a:t>
             </a:r>
             <a:fld id="{93347EBB-FBA4-4869-8D0A-161607B6A013}" type="slidenum">
               <a:rPr lang="en-US" smtClean="0"/>
@@ -16815,7 +17243,11 @@
             </a:r>
             <a:r>
               <a:rPr lang="en-US" dirty="0" smtClean="0"/>
-              <a:t> 5F.</a:t>
+              <a:t> </a:t>
+            </a:r>
+            <a:r>
+              <a:rPr lang="en-US" dirty="0" smtClean="0"/>
+              <a:t>6W.</a:t>
             </a:r>
             <a:fld id="{93347EBB-FBA4-4869-8D0A-161607B6A013}" type="slidenum">
               <a:rPr lang="en-US" smtClean="0"/>
@@ -17253,7 +17685,11 @@
             </a:r>
             <a:r>
               <a:rPr lang="en-US" dirty="0" smtClean="0"/>
-              <a:t> 5F.</a:t>
+              <a:t> </a:t>
+            </a:r>
+            <a:r>
+              <a:rPr lang="en-US" dirty="0" smtClean="0"/>
+              <a:t>6W.</a:t>
             </a:r>
             <a:fld id="{2D84392B-0D9B-42AA-BA65-FCCCDA49260E}" type="slidenum">
               <a:rPr lang="en-US" smtClean="0"/>
@@ -17305,7 +17741,7 @@
           <a:graphicData uri="http://schemas.openxmlformats.org/presentationml/2006/ole">
             <mc:AlternateContent xmlns:mc="http://schemas.openxmlformats.org/markup-compatibility/2006">
               <mc:Choice xmlns:v="urn:schemas-microsoft-com:vml" Requires="v">
-                <p:oleObj spid="_x0000_s1032" name="Equation" r:id="rId4" imgW="126720" imgH="190440" progId="Equation.DSMT4">
+                <p:oleObj spid="_x0000_s1045" name="Equation" r:id="rId4" imgW="126720" imgH="190440" progId="Equation.DSMT4">
                   <p:embed/>
                 </p:oleObj>
               </mc:Choice>
@@ -17406,7 +17842,7 @@
           <a:graphicData uri="http://schemas.openxmlformats.org/presentationml/2006/ole">
             <mc:AlternateContent xmlns:mc="http://schemas.openxmlformats.org/markup-compatibility/2006">
               <mc:Choice xmlns:v="urn:schemas-microsoft-com:vml" Requires="v">
-                <p:oleObj spid="_x0000_s1033" name="Equation" r:id="rId6" imgW="2044700" imgH="647700" progId="Equation.DSMT4">
+                <p:oleObj spid="_x0000_s1046" name="Equation" r:id="rId6" imgW="2044700" imgH="647700" progId="Equation.DSMT4">
                   <p:embed/>
                 </p:oleObj>
               </mc:Choice>
@@ -17603,7 +18039,11 @@
             </a:r>
             <a:r>
               <a:rPr lang="en-US" dirty="0" smtClean="0"/>
-              <a:t> 5F.</a:t>
+              <a:t> </a:t>
+            </a:r>
+            <a:r>
+              <a:rPr lang="en-US" dirty="0" smtClean="0"/>
+              <a:t>6W.</a:t>
             </a:r>
             <a:fld id="{2D84392B-0D9B-42AA-BA65-FCCCDA49260E}" type="slidenum">
               <a:rPr lang="en-US" smtClean="0"/>
@@ -17655,7 +18095,7 @@
           <a:graphicData uri="http://schemas.openxmlformats.org/presentationml/2006/ole">
             <mc:AlternateContent xmlns:mc="http://schemas.openxmlformats.org/markup-compatibility/2006">
               <mc:Choice xmlns:v="urn:schemas-microsoft-com:vml" Requires="v">
-                <p:oleObj spid="_x0000_s2059" name="Equation" r:id="rId4" imgW="126720" imgH="190440" progId="Equation.DSMT4">
+                <p:oleObj spid="_x0000_s2072" name="Equation" r:id="rId4" imgW="126720" imgH="190440" progId="Equation.DSMT4">
                   <p:embed/>
                 </p:oleObj>
               </mc:Choice>
@@ -17725,7 +18165,7 @@
           <a:graphicData uri="http://schemas.openxmlformats.org/presentationml/2006/ole">
             <mc:AlternateContent xmlns:mc="http://schemas.openxmlformats.org/markup-compatibility/2006">
               <mc:Choice xmlns:v="urn:schemas-microsoft-com:vml" Requires="v">
-                <p:oleObj spid="_x0000_s2060" name="Equation" r:id="rId6" imgW="2044700" imgH="812800" progId="Equation.DSMT4">
+                <p:oleObj spid="_x0000_s2073" name="Equation" r:id="rId6" imgW="2044700" imgH="812800" progId="Equation.DSMT4">
                   <p:embed/>
                 </p:oleObj>
               </mc:Choice>
@@ -17823,7 +18263,7 @@
           <a:graphicData uri="http://schemas.openxmlformats.org/presentationml/2006/ole">
             <mc:AlternateContent xmlns:mc="http://schemas.openxmlformats.org/markup-compatibility/2006">
               <mc:Choice xmlns:v="urn:schemas-microsoft-com:vml" Requires="v">
-                <p:oleObj spid="_x0000_s91141" name="Equation" r:id="rId4" imgW="2031840" imgH="736560" progId="Equation.DSMT4">
+                <p:oleObj spid="_x0000_s91154" name="Equation" r:id="rId4" imgW="2031840" imgH="736560" progId="Equation.DSMT4">
                   <p:embed/>
                 </p:oleObj>
               </mc:Choice>
@@ -17899,7 +18339,11 @@
             </a:r>
             <a:r>
               <a:rPr lang="en-US" dirty="0" smtClean="0"/>
-              <a:t> 5F.</a:t>
+              <a:t> </a:t>
+            </a:r>
+            <a:r>
+              <a:rPr lang="en-US" dirty="0" smtClean="0"/>
+              <a:t>6W.</a:t>
             </a:r>
             <a:fld id="{2D84392B-0D9B-42AA-BA65-FCCCDA49260E}" type="slidenum">
               <a:rPr lang="en-US" smtClean="0"/>
@@ -17951,7 +18395,7 @@
           <a:graphicData uri="http://schemas.openxmlformats.org/presentationml/2006/ole">
             <mc:AlternateContent xmlns:mc="http://schemas.openxmlformats.org/markup-compatibility/2006">
               <mc:Choice xmlns:v="urn:schemas-microsoft-com:vml" Requires="v">
-                <p:oleObj spid="_x0000_s91142" name="Equation" r:id="rId6" imgW="126720" imgH="190440" progId="Equation.DSMT4">
+                <p:oleObj spid="_x0000_s91155" name="Equation" r:id="rId6" imgW="126720" imgH="190440" progId="Equation.DSMT4">
                   <p:embed/>
                 </p:oleObj>
               </mc:Choice>
@@ -18069,7 +18513,11 @@
             </a:r>
             <a:r>
               <a:rPr lang="en-US" dirty="0" smtClean="0"/>
-              <a:t> 5F.</a:t>
+              <a:t> </a:t>
+            </a:r>
+            <a:r>
+              <a:rPr lang="en-US" dirty="0" smtClean="0"/>
+              <a:t>6W.</a:t>
             </a:r>
             <a:fld id="{2D84392B-0D9B-42AA-BA65-FCCCDA49260E}" type="slidenum">
               <a:rPr lang="en-US" smtClean="0"/>
@@ -18368,7 +18816,7 @@
           <a:graphicData uri="http://schemas.openxmlformats.org/presentationml/2006/ole">
             <mc:AlternateContent xmlns:mc="http://schemas.openxmlformats.org/markup-compatibility/2006">
               <mc:Choice xmlns:v="urn:schemas-microsoft-com:vml" Requires="v">
-                <p:oleObj spid="_x0000_s3078" name="Equation" r:id="rId4" imgW="126720" imgH="190440" progId="Equation.DSMT4">
+                <p:oleObj spid="_x0000_s3097" name="Equation" r:id="rId4" imgW="126720" imgH="190440" progId="Equation.DSMT4">
                   <p:embed/>
                 </p:oleObj>
               </mc:Choice>
@@ -18438,7 +18886,7 @@
           <a:graphicData uri="http://schemas.openxmlformats.org/presentationml/2006/ole">
             <mc:AlternateContent xmlns:mc="http://schemas.openxmlformats.org/markup-compatibility/2006">
               <mc:Choice xmlns:v="urn:schemas-microsoft-com:vml" Requires="v">
-                <p:oleObj spid="_x0000_s3079" name="Equation" r:id="rId6" imgW="393480" imgH="342720" progId="Equation.DSMT4">
+                <p:oleObj spid="_x0000_s3098" name="Equation" r:id="rId6" imgW="393480" imgH="342720" progId="Equation.DSMT4">
                   <p:embed/>
                 </p:oleObj>
               </mc:Choice>
@@ -18508,7 +18956,7 @@
           <a:graphicData uri="http://schemas.openxmlformats.org/presentationml/2006/ole">
             <mc:AlternateContent xmlns:mc="http://schemas.openxmlformats.org/markup-compatibility/2006">
               <mc:Choice xmlns:v="urn:schemas-microsoft-com:vml" Requires="v">
-                <p:oleObj spid="_x0000_s3080" name="Equation" r:id="rId8" imgW="1917360" imgH="711000" progId="Equation.DSMT4">
+                <p:oleObj spid="_x0000_s3099" name="Equation" r:id="rId8" imgW="1917360" imgH="711000" progId="Equation.DSMT4">
                   <p:embed/>
                 </p:oleObj>
               </mc:Choice>
@@ -19070,7 +19518,11 @@
             </a:r>
             <a:r>
               <a:rPr lang="en-US" dirty="0" smtClean="0"/>
-              <a:t> 5F.</a:t>
+              <a:t> </a:t>
+            </a:r>
+            <a:r>
+              <a:rPr lang="en-US" dirty="0" smtClean="0"/>
+              <a:t>6W.</a:t>
             </a:r>
             <a:fld id="{87DF85EA-4F88-44EA-83A1-78351A258CEF}" type="slidenum">
               <a:rPr lang="en-US" smtClean="0"/>
@@ -19811,7 +20263,11 @@
             </a:r>
             <a:r>
               <a:rPr lang="en-US" dirty="0" smtClean="0"/>
-              <a:t> 5F.</a:t>
+              <a:t> </a:t>
+            </a:r>
+            <a:r>
+              <a:rPr lang="en-US" dirty="0" smtClean="0"/>
+              <a:t>6W.</a:t>
             </a:r>
             <a:fld id="{6A5E9C01-C108-4A5C-AE7A-FB77D488E7D9}" type="slidenum">
               <a:rPr lang="en-US" smtClean="0"/>
@@ -20337,7 +20793,11 @@
             </a:r>
             <a:r>
               <a:rPr lang="en-US" dirty="0" smtClean="0"/>
-              <a:t> 5F.</a:t>
+              <a:t> </a:t>
+            </a:r>
+            <a:r>
+              <a:rPr lang="en-US" dirty="0" smtClean="0"/>
+              <a:t>6W.</a:t>
             </a:r>
             <a:fld id="{F389C0C6-D6B8-4BCF-9EE6-7CFCBB0EDCA3}" type="slidenum">
               <a:rPr lang="en-US" smtClean="0"/>
@@ -20976,7 +21436,7 @@
               <a:rPr lang="en-US" sz="12700" dirty="0" smtClean="0">
                 <a:sym typeface="Euclid Symbol" pitchFamily="18" charset="2"/>
               </a:rPr>
-              <a:t>4</a:t>
+              <a:t>3</a:t>
             </a:r>
             <a:endParaRPr lang="en-US" sz="12700" dirty="0"/>
           </a:p>
@@ -21011,7 +21471,11 @@
             </a:r>
             <a:r>
               <a:rPr lang="en-US" dirty="0" smtClean="0"/>
-              <a:t> 5F.</a:t>
+              <a:t> </a:t>
+            </a:r>
+            <a:r>
+              <a:rPr lang="en-US" dirty="0" smtClean="0"/>
+              <a:t>6W.</a:t>
             </a:r>
             <a:fld id="{F389C0C6-D6B8-4BCF-9EE6-7CFCBB0EDCA3}" type="slidenum">
               <a:rPr lang="en-US" smtClean="0"/>
@@ -22496,7 +22960,11 @@
             </a:r>
             <a:r>
               <a:rPr lang="en-US" dirty="0" smtClean="0"/>
-              <a:t> 5F.</a:t>
+              <a:t> </a:t>
+            </a:r>
+            <a:r>
+              <a:rPr lang="en-US" dirty="0" smtClean="0"/>
+              <a:t>6W.</a:t>
             </a:r>
             <a:fld id="{2D84392B-0D9B-42AA-BA65-FCCCDA49260E}" type="slidenum">
               <a:rPr lang="en-US" smtClean="0"/>
@@ -23744,7 +24212,11 @@
             </a:r>
             <a:r>
               <a:rPr lang="en-US" dirty="0" smtClean="0"/>
-              <a:t> 5F.</a:t>
+              <a:t> </a:t>
+            </a:r>
+            <a:r>
+              <a:rPr lang="en-US" dirty="0" smtClean="0"/>
+              <a:t>6W.</a:t>
             </a:r>
             <a:fld id="{BAD967A3-F968-4CE5-B9C8-0E65E562ACE5}" type="slidenum">
               <a:rPr lang="en-US" smtClean="0"/>
@@ -24139,7 +24611,11 @@
             </a:r>
             <a:r>
               <a:rPr lang="en-US" dirty="0" smtClean="0"/>
-              <a:t> 5F.</a:t>
+              <a:t> </a:t>
+            </a:r>
+            <a:r>
+              <a:rPr lang="en-US" dirty="0" smtClean="0"/>
+              <a:t>6W.</a:t>
             </a:r>
             <a:fld id="{628CA37F-BEB8-4F06-9290-65883FDFDAD1}" type="slidenum">
               <a:rPr lang="en-US" smtClean="0"/>
@@ -25416,7 +25892,11 @@
             </a:r>
             <a:r>
               <a:rPr lang="en-US" dirty="0" smtClean="0"/>
-              <a:t> 5F.</a:t>
+              <a:t> </a:t>
+            </a:r>
+            <a:r>
+              <a:rPr lang="en-US" dirty="0" smtClean="0"/>
+              <a:t>6W.</a:t>
             </a:r>
             <a:fld id="{1059454A-2E72-4D2B-8CF4-AC51538C5AA3}" type="slidenum">
               <a:rPr lang="en-US" smtClean="0"/>
@@ -26624,7 +27104,11 @@
             </a:r>
             <a:r>
               <a:rPr lang="en-US" dirty="0" smtClean="0"/>
-              <a:t> 5F.</a:t>
+              <a:t> </a:t>
+            </a:r>
+            <a:r>
+              <a:rPr lang="en-US" dirty="0" smtClean="0"/>
+              <a:t>6W.</a:t>
             </a:r>
             <a:fld id="{1059454A-2E72-4D2B-8CF4-AC51538C5AA3}" type="slidenum">
               <a:rPr lang="en-US" smtClean="0"/>
@@ -27474,7 +27958,11 @@
             </a:r>
             <a:r>
               <a:rPr lang="en-US" dirty="0" smtClean="0"/>
-              <a:t> 5F.</a:t>
+              <a:t> </a:t>
+            </a:r>
+            <a:r>
+              <a:rPr lang="en-US" dirty="0" smtClean="0"/>
+              <a:t>6W.</a:t>
             </a:r>
             <a:fld id="{C87CF356-7DF0-4D58-87B4-D1D77D4EF25D}" type="slidenum">
               <a:rPr lang="en-US" smtClean="0"/>
@@ -27968,7 +28456,11 @@
             </a:r>
             <a:r>
               <a:rPr lang="en-US" dirty="0" smtClean="0"/>
-              <a:t> 5F.</a:t>
+              <a:t> </a:t>
+            </a:r>
+            <a:r>
+              <a:rPr lang="en-US" dirty="0" smtClean="0"/>
+              <a:t>6W.</a:t>
             </a:r>
             <a:fld id="{AD1D0FF0-6D93-442D-82F5-8BA6A710FDEB}" type="slidenum">
               <a:rPr lang="en-US" smtClean="0"/>
@@ -28517,7 +29009,19 @@
               <a:rPr lang="en-US" sz="5400" dirty="0" smtClean="0">
                 <a:latin typeface="Comic Sans MS" pitchFamily="66" charset="0"/>
               </a:rPr>
-              <a:t> Class prob.  </a:t>
+              <a:t> </a:t>
+            </a:r>
+            <a:r>
+              <a:rPr lang="en-US" sz="5400" dirty="0" err="1" smtClean="0">
+                <a:latin typeface="Comic Sans MS" pitchFamily="66" charset="0"/>
+              </a:rPr>
+              <a:t>Pset</a:t>
+            </a:r>
+            <a:r>
+              <a:rPr lang="en-US" sz="5400" dirty="0" smtClean="0">
+                <a:latin typeface="Comic Sans MS" pitchFamily="66" charset="0"/>
+              </a:rPr>
+              <a:t> 5.  </a:t>
             </a:r>
             <a:r>
               <a:rPr lang="en-US" sz="5400" dirty="0">

--- a/fall11/slidesF11/slides6w.pptx
+++ b/fall11/slidesF11/slides6w.pptx
@@ -4906,8 +4906,8 @@
         </p:nvSpPr>
         <p:spPr>
           <a:xfrm>
-            <a:off x="285750" y="2362200"/>
-            <a:ext cx="8572500" cy="2324100"/>
+            <a:off x="285750" y="2667000"/>
+            <a:ext cx="8629650" cy="1524000"/>
           </a:xfrm>
         </p:spPr>
         <p:txBody>
@@ -14306,7 +14306,7 @@
           <a:graphicData uri="http://schemas.openxmlformats.org/presentationml/2006/ole">
             <mc:AlternateContent xmlns:mc="http://schemas.openxmlformats.org/markup-compatibility/2006">
               <mc:Choice xmlns:v="urn:schemas-microsoft-com:vml" Requires="v">
-                <p:oleObj spid="_x0000_s1050" name="Equation" r:id="rId4" imgW="126720" imgH="190440" progId="Equation.DSMT4">
+                <p:oleObj spid="_x0000_s1053" name="Equation" r:id="rId4" imgW="126720" imgH="190440" progId="Equation.DSMT4">
                   <p:embed/>
                 </p:oleObj>
               </mc:Choice>
@@ -14407,7 +14407,7 @@
           <a:graphicData uri="http://schemas.openxmlformats.org/presentationml/2006/ole">
             <mc:AlternateContent xmlns:mc="http://schemas.openxmlformats.org/markup-compatibility/2006">
               <mc:Choice xmlns:v="urn:schemas-microsoft-com:vml" Requires="v">
-                <p:oleObj spid="_x0000_s1051" name="Equation" r:id="rId6" imgW="2044700" imgH="647700" progId="Equation.DSMT4">
+                <p:oleObj spid="_x0000_s1054" name="Equation" r:id="rId6" imgW="2044700" imgH="647700" progId="Equation.DSMT4">
                   <p:embed/>
                 </p:oleObj>
               </mc:Choice>
@@ -14656,7 +14656,7 @@
           <a:graphicData uri="http://schemas.openxmlformats.org/presentationml/2006/ole">
             <mc:AlternateContent xmlns:mc="http://schemas.openxmlformats.org/markup-compatibility/2006">
               <mc:Choice xmlns:v="urn:schemas-microsoft-com:vml" Requires="v">
-                <p:oleObj spid="_x0000_s2077" name="Equation" r:id="rId4" imgW="126720" imgH="190440" progId="Equation.DSMT4">
+                <p:oleObj spid="_x0000_s2080" name="Equation" r:id="rId4" imgW="126720" imgH="190440" progId="Equation.DSMT4">
                   <p:embed/>
                 </p:oleObj>
               </mc:Choice>
@@ -14726,7 +14726,7 @@
           <a:graphicData uri="http://schemas.openxmlformats.org/presentationml/2006/ole">
             <mc:AlternateContent xmlns:mc="http://schemas.openxmlformats.org/markup-compatibility/2006">
               <mc:Choice xmlns:v="urn:schemas-microsoft-com:vml" Requires="v">
-                <p:oleObj spid="_x0000_s2078" name="Equation" r:id="rId6" imgW="2044700" imgH="812800" progId="Equation.DSMT4">
+                <p:oleObj spid="_x0000_s2081" name="Equation" r:id="rId6" imgW="2044700" imgH="812800" progId="Equation.DSMT4">
                   <p:embed/>
                 </p:oleObj>
               </mc:Choice>
@@ -14824,7 +14824,7 @@
           <a:graphicData uri="http://schemas.openxmlformats.org/presentationml/2006/ole">
             <mc:AlternateContent xmlns:mc="http://schemas.openxmlformats.org/markup-compatibility/2006">
               <mc:Choice xmlns:v="urn:schemas-microsoft-com:vml" Requires="v">
-                <p:oleObj spid="_x0000_s91159" name="Equation" r:id="rId4" imgW="2031840" imgH="736560" progId="Equation.DSMT4">
+                <p:oleObj spid="_x0000_s91162" name="Equation" r:id="rId4" imgW="2031840" imgH="736560" progId="Equation.DSMT4">
                   <p:embed/>
                 </p:oleObj>
               </mc:Choice>
@@ -14952,7 +14952,7 @@
           <a:graphicData uri="http://schemas.openxmlformats.org/presentationml/2006/ole">
             <mc:AlternateContent xmlns:mc="http://schemas.openxmlformats.org/markup-compatibility/2006">
               <mc:Choice xmlns:v="urn:schemas-microsoft-com:vml" Requires="v">
-                <p:oleObj spid="_x0000_s91160" name="Equation" r:id="rId6" imgW="126720" imgH="190440" progId="Equation.DSMT4">
+                <p:oleObj spid="_x0000_s91163" name="Equation" r:id="rId6" imgW="126720" imgH="190440" progId="Equation.DSMT4">
                   <p:embed/>
                 </p:oleObj>
               </mc:Choice>
@@ -15369,7 +15369,7 @@
           <a:graphicData uri="http://schemas.openxmlformats.org/presentationml/2006/ole">
             <mc:AlternateContent xmlns:mc="http://schemas.openxmlformats.org/markup-compatibility/2006">
               <mc:Choice xmlns:v="urn:schemas-microsoft-com:vml" Requires="v">
-                <p:oleObj spid="_x0000_s3104" name="Equation" r:id="rId4" imgW="126720" imgH="190440" progId="Equation.DSMT4">
+                <p:oleObj spid="_x0000_s3108" name="Equation" r:id="rId4" imgW="126720" imgH="190440" progId="Equation.DSMT4">
                   <p:embed/>
                 </p:oleObj>
               </mc:Choice>
@@ -15439,7 +15439,7 @@
           <a:graphicData uri="http://schemas.openxmlformats.org/presentationml/2006/ole">
             <mc:AlternateContent xmlns:mc="http://schemas.openxmlformats.org/markup-compatibility/2006">
               <mc:Choice xmlns:v="urn:schemas-microsoft-com:vml" Requires="v">
-                <p:oleObj spid="_x0000_s3105" name="Equation" r:id="rId6" imgW="393480" imgH="342720" progId="Equation.DSMT4">
+                <p:oleObj spid="_x0000_s3109" name="Equation" r:id="rId6" imgW="393480" imgH="342720" progId="Equation.DSMT4">
                   <p:embed/>
                 </p:oleObj>
               </mc:Choice>
@@ -15509,7 +15509,7 @@
           <a:graphicData uri="http://schemas.openxmlformats.org/presentationml/2006/ole">
             <mc:AlternateContent xmlns:mc="http://schemas.openxmlformats.org/markup-compatibility/2006">
               <mc:Choice xmlns:v="urn:schemas-microsoft-com:vml" Requires="v">
-                <p:oleObj spid="_x0000_s3106" name="Equation" r:id="rId8" imgW="1917360" imgH="711000" progId="Equation.DSMT4">
+                <p:oleObj spid="_x0000_s3110" name="Equation" r:id="rId8" imgW="1917360" imgH="711000" progId="Equation.DSMT4">
                   <p:embed/>
                 </p:oleObj>
               </mc:Choice>
